--- a/Présentation PP.pptx
+++ b/Présentation PP.pptx
@@ -5,21 +5,22 @@
     <p:sldMasterId id="2147483797" r:id="rId1"/>
   </p:sldMasterIdLst>
   <p:notesMasterIdLst>
-    <p:notesMasterId r:id="rId14"/>
+    <p:notesMasterId r:id="rId15"/>
   </p:notesMasterIdLst>
   <p:sldIdLst>
     <p:sldId id="256" r:id="rId2"/>
     <p:sldId id="260" r:id="rId3"/>
     <p:sldId id="259" r:id="rId4"/>
-    <p:sldId id="261" r:id="rId5"/>
-    <p:sldId id="266" r:id="rId6"/>
-    <p:sldId id="267" r:id="rId7"/>
-    <p:sldId id="262" r:id="rId8"/>
-    <p:sldId id="258" r:id="rId9"/>
-    <p:sldId id="268" r:id="rId10"/>
-    <p:sldId id="263" r:id="rId11"/>
-    <p:sldId id="264" r:id="rId12"/>
-    <p:sldId id="265" r:id="rId13"/>
+    <p:sldId id="269" r:id="rId5"/>
+    <p:sldId id="261" r:id="rId6"/>
+    <p:sldId id="266" r:id="rId7"/>
+    <p:sldId id="267" r:id="rId8"/>
+    <p:sldId id="262" r:id="rId9"/>
+    <p:sldId id="258" r:id="rId10"/>
+    <p:sldId id="268" r:id="rId11"/>
+    <p:sldId id="263" r:id="rId12"/>
+    <p:sldId id="264" r:id="rId13"/>
+    <p:sldId id="265" r:id="rId14"/>
   </p:sldIdLst>
   <p:sldSz cx="12192000" cy="6858000"/>
   <p:notesSz cx="6858000" cy="9144000"/>
@@ -118,6 +119,14 @@
       </a:defRPr>
     </a:lvl9pPr>
   </p:defaultTextStyle>
+  <p:extLst>
+    <p:ext uri="{EFAFB233-063F-42B5-8137-9DF3F51BA10A}">
+      <p15:sldGuideLst xmlns:p15="http://schemas.microsoft.com/office/powerpoint/2012/main"/>
+    </p:ext>
+    <p:ext uri="{2D200454-40CA-4A62-9FC3-DE9A4176ACB9}">
+      <p15:notesGuideLst xmlns:p15="http://schemas.microsoft.com/office/powerpoint/2012/main"/>
+    </p:ext>
+  </p:extLst>
 </p:presentation>
 </file>
 
@@ -203,7 +212,7 @@
           <a:p>
             <a:fld id="{47EE9B6E-30BC-2A44-A3C2-1E9BF1F5A9F6}" type="datetimeFigureOut">
               <a:rPr lang="fr-FR" smtClean="0"/>
-              <a:t>09/04/2018</a:t>
+              <a:t>12/04/2018</a:t>
             </a:fld>
             <a:endParaRPr lang="fr-FR"/>
           </a:p>
@@ -598,19 +607,24 @@
           <a:bodyPr/>
           <a:lstStyle/>
           <a:p>
-            <a:r>
-              <a:rPr lang="fr-FR" dirty="0"/>
-              <a:t>Après réflexion, nous avons pris la décision d’enlever l’activité création. Nous avons réalisé que cette autre activité est </a:t>
-            </a:r>
-            <a:r>
-              <a:rPr lang="fr-FR" i="1" dirty="0"/>
-              <a:t>beaucoup plus robuste qu’on pensait pour le si peut de temps qu’on avait.  </a:t>
-            </a:r>
-            <a:r>
-              <a:rPr lang="fr-FR" i="0" dirty="0"/>
-              <a:t>Par ailleurs, nous avons jugé que l’activité modèle touche un peu à ce qu’on voulait  apriori faire dans création.</a:t>
-            </a:r>
-            <a:endParaRPr lang="fr-FR" i="1" dirty="0"/>
+            <a:pPr marL="0" marR="0" lvl="0" indent="0" algn="l" defTabSz="914400" rtl="0" eaLnBrk="1" fontAlgn="auto" latinLnBrk="0" hangingPunct="1">
+              <a:lnSpc>
+                <a:spcPct val="100000"/>
+              </a:lnSpc>
+              <a:spcBef>
+                <a:spcPts val="0"/>
+              </a:spcBef>
+              <a:spcAft>
+                <a:spcPts val="0"/>
+              </a:spcAft>
+              <a:buClrTx/>
+              <a:buSzTx/>
+              <a:buFontTx/>
+              <a:buNone/>
+              <a:tabLst/>
+              <a:defRPr/>
+            </a:pPr>
+            <a:endParaRPr lang="fr-FR" dirty="0"/>
           </a:p>
         </p:txBody>
       </p:sp>
@@ -640,7 +654,7 @@
     </p:spTree>
     <p:extLst>
       <p:ext uri="{BB962C8B-B14F-4D97-AF65-F5344CB8AC3E}">
-        <p14:creationId xmlns:p14="http://schemas.microsoft.com/office/powerpoint/2010/main" val="69331190"/>
+        <p14:creationId xmlns:p14="http://schemas.microsoft.com/office/powerpoint/2010/main" val="1488919945"/>
       </p:ext>
     </p:extLst>
   </p:cSld>
@@ -694,7 +708,91 @@
           <a:bodyPr/>
           <a:lstStyle/>
           <a:p>
-            <a:endParaRPr lang="fr-FR" dirty="0"/>
+            <a:endParaRPr lang="fr-FR" i="1" dirty="0"/>
+          </a:p>
+        </p:txBody>
+      </p:sp>
+      <p:sp>
+        <p:nvSpPr>
+          <p:cNvPr id="4" name="Espace réservé du numéro de diapositive 3"/>
+          <p:cNvSpPr>
+            <a:spLocks noGrp="1"/>
+          </p:cNvSpPr>
+          <p:nvPr>
+            <p:ph type="sldNum" sz="quarter" idx="10"/>
+          </p:nvPr>
+        </p:nvSpPr>
+        <p:spPr/>
+        <p:txBody>
+          <a:bodyPr/>
+          <a:lstStyle/>
+          <a:p>
+            <a:fld id="{B7F5AC53-C964-5F44-A694-F31B68632186}" type="slidenum">
+              <a:rPr lang="fr-FR" smtClean="0"/>
+              <a:t>11</a:t>
+            </a:fld>
+            <a:endParaRPr lang="fr-FR"/>
+          </a:p>
+        </p:txBody>
+      </p:sp>
+    </p:spTree>
+    <p:extLst>
+      <p:ext uri="{BB962C8B-B14F-4D97-AF65-F5344CB8AC3E}">
+        <p14:creationId xmlns:p14="http://schemas.microsoft.com/office/powerpoint/2010/main" val="69331190"/>
+      </p:ext>
+    </p:extLst>
+  </p:cSld>
+  <p:clrMapOvr>
+    <a:masterClrMapping/>
+  </p:clrMapOvr>
+</p:notes>
+</file>
+
+<file path=ppt/notesSlides/notesSlide12.xml><?xml version="1.0" encoding="utf-8"?>
+<p:notes xmlns:a="http://schemas.openxmlformats.org/drawingml/2006/main" xmlns:r="http://schemas.openxmlformats.org/officeDocument/2006/relationships" xmlns:p="http://schemas.openxmlformats.org/presentationml/2006/main">
+  <p:cSld>
+    <p:spTree>
+      <p:nvGrpSpPr>
+        <p:cNvPr id="1" name=""/>
+        <p:cNvGrpSpPr/>
+        <p:nvPr/>
+      </p:nvGrpSpPr>
+      <p:grpSpPr>
+        <a:xfrm>
+          <a:off x="0" y="0"/>
+          <a:ext cx="0" cy="0"/>
+          <a:chOff x="0" y="0"/>
+          <a:chExt cx="0" cy="0"/>
+        </a:xfrm>
+      </p:grpSpPr>
+      <p:sp>
+        <p:nvSpPr>
+          <p:cNvPr id="2" name="Espace réservé de l’image des diapositives 1"/>
+          <p:cNvSpPr>
+            <a:spLocks noGrp="1" noRot="1" noChangeAspect="1"/>
+          </p:cNvSpPr>
+          <p:nvPr>
+            <p:ph type="sldImg"/>
+          </p:nvPr>
+        </p:nvSpPr>
+        <p:spPr/>
+      </p:sp>
+      <p:sp>
+        <p:nvSpPr>
+          <p:cNvPr id="3" name="Espace réservé des notes 2"/>
+          <p:cNvSpPr>
+            <a:spLocks noGrp="1"/>
+          </p:cNvSpPr>
+          <p:nvPr>
+            <p:ph type="body" idx="1"/>
+          </p:nvPr>
+        </p:nvSpPr>
+        <p:spPr/>
+        <p:txBody>
+          <a:bodyPr/>
+          <a:lstStyle/>
+          <a:p>
+            <a:endParaRPr lang="fr-FR"/>
           </a:p>
         </p:txBody>
       </p:sp>
@@ -716,6 +814,90 @@
             <a:fld id="{B7F5AC53-C964-5F44-A694-F31B68632186}" type="slidenum">
               <a:rPr lang="fr-FR" smtClean="0"/>
               <a:t>12</a:t>
+            </a:fld>
+            <a:endParaRPr lang="fr-FR"/>
+          </a:p>
+        </p:txBody>
+      </p:sp>
+    </p:spTree>
+    <p:extLst>
+      <p:ext uri="{BB962C8B-B14F-4D97-AF65-F5344CB8AC3E}">
+        <p14:creationId xmlns:p14="http://schemas.microsoft.com/office/powerpoint/2010/main" val="1883490138"/>
+      </p:ext>
+    </p:extLst>
+  </p:cSld>
+  <p:clrMapOvr>
+    <a:masterClrMapping/>
+  </p:clrMapOvr>
+</p:notes>
+</file>
+
+<file path=ppt/notesSlides/notesSlide13.xml><?xml version="1.0" encoding="utf-8"?>
+<p:notes xmlns:a="http://schemas.openxmlformats.org/drawingml/2006/main" xmlns:r="http://schemas.openxmlformats.org/officeDocument/2006/relationships" xmlns:p="http://schemas.openxmlformats.org/presentationml/2006/main">
+  <p:cSld>
+    <p:spTree>
+      <p:nvGrpSpPr>
+        <p:cNvPr id="1" name=""/>
+        <p:cNvGrpSpPr/>
+        <p:nvPr/>
+      </p:nvGrpSpPr>
+      <p:grpSpPr>
+        <a:xfrm>
+          <a:off x="0" y="0"/>
+          <a:ext cx="0" cy="0"/>
+          <a:chOff x="0" y="0"/>
+          <a:chExt cx="0" cy="0"/>
+        </a:xfrm>
+      </p:grpSpPr>
+      <p:sp>
+        <p:nvSpPr>
+          <p:cNvPr id="2" name="Espace réservé de l’image des diapositives 1"/>
+          <p:cNvSpPr>
+            <a:spLocks noGrp="1" noRot="1" noChangeAspect="1"/>
+          </p:cNvSpPr>
+          <p:nvPr>
+            <p:ph type="sldImg"/>
+          </p:nvPr>
+        </p:nvSpPr>
+        <p:spPr/>
+      </p:sp>
+      <p:sp>
+        <p:nvSpPr>
+          <p:cNvPr id="3" name="Espace réservé des notes 2"/>
+          <p:cNvSpPr>
+            <a:spLocks noGrp="1"/>
+          </p:cNvSpPr>
+          <p:nvPr>
+            <p:ph type="body" idx="1"/>
+          </p:nvPr>
+        </p:nvSpPr>
+        <p:spPr/>
+        <p:txBody>
+          <a:bodyPr/>
+          <a:lstStyle/>
+          <a:p>
+            <a:endParaRPr lang="fr-FR" dirty="0"/>
+          </a:p>
+        </p:txBody>
+      </p:sp>
+      <p:sp>
+        <p:nvSpPr>
+          <p:cNvPr id="4" name="Espace réservé du numéro de diapositive 3"/>
+          <p:cNvSpPr>
+            <a:spLocks noGrp="1"/>
+          </p:cNvSpPr>
+          <p:nvPr>
+            <p:ph type="sldNum" sz="quarter" idx="10"/>
+          </p:nvPr>
+        </p:nvSpPr>
+        <p:spPr/>
+        <p:txBody>
+          <a:bodyPr/>
+          <a:lstStyle/>
+          <a:p>
+            <a:fld id="{B7F5AC53-C964-5F44-A694-F31B68632186}" type="slidenum">
+              <a:rPr lang="fr-FR" smtClean="0"/>
+              <a:t>13</a:t>
             </a:fld>
             <a:endParaRPr lang="fr-FR"/>
           </a:p>
@@ -778,40 +960,7 @@
           <a:bodyPr/>
           <a:lstStyle/>
           <a:p>
-            <a:r>
-              <a:rPr lang="fr-FR" dirty="0"/>
-              <a:t>Problèmes:</a:t>
-            </a:r>
-          </a:p>
-          <a:p>
-            <a:r>
-              <a:rPr lang="fr-FR" dirty="0"/>
-              <a:t>-Caméra et partager: nous avons eu des problèmes d’accès à la de l’utilisateur.</a:t>
-            </a:r>
-          </a:p>
-          <a:p>
-            <a:r>
-              <a:rPr lang="fr-FR" dirty="0"/>
-              <a:t>-Rotation des photos: lorsqu’on prenait une photo avec la caméra, cette dernière s’affichait verticalement. </a:t>
-            </a:r>
-          </a:p>
-          <a:p>
-            <a:r>
-              <a:rPr lang="fr-FR" dirty="0"/>
-              <a:t>Solutions:</a:t>
-            </a:r>
-          </a:p>
-          <a:p>
-            <a:r>
-              <a:rPr lang="fr-FR" dirty="0"/>
-              <a:t>-On a mis permission pour l’utilisateur afin d’avoir accès à la galerie, la caméra et la possibilité de partager la photo.</a:t>
-            </a:r>
-          </a:p>
-          <a:p>
-            <a:r>
-              <a:rPr lang="fr-FR" dirty="0"/>
-              <a:t>-…</a:t>
-            </a:r>
+            <a:endParaRPr lang="fr-FR" dirty="0"/>
           </a:p>
         </p:txBody>
       </p:sp>
@@ -903,7 +1052,7 @@
           <a:p>
             <a:r>
               <a:rPr lang="fr-FR" dirty="0"/>
-              <a:t>-Nom de l’application avec une phrase pensé pour incité les gens à commencer la création de leur m</a:t>
+              <a:t>-Nom de l’application avec une phrase pensée pour incité les gens à commencer la création de leur m</a:t>
             </a:r>
             <a:r>
               <a:rPr lang="fr-CA" dirty="0" err="1"/>
@@ -924,7 +1073,7 @@
           <a:p>
             <a:r>
               <a:rPr lang="fr-FR" dirty="0"/>
-              <a:t>-Il y a aussi un pop-up qui demande une permission à l’utilisateur.</a:t>
+              <a:t>-Il y a aussi un pop-up qui demande une permission à l’utilisateur pour avoir accès à leur appareil photo, galerie et pour le partage de photo.</a:t>
             </a:r>
           </a:p>
           <a:p>
@@ -939,7 +1088,75 @@
           <a:p>
             <a:r>
               <a:rPr lang="fr-FR" dirty="0"/>
-              <a:t>-quatre choix de modèles s’offrent à l’utilisateur. Il peut alors cliqué sur le bouton continuer lorsqu’il touche une des quatre images.</a:t>
+              <a:t>-quatre choix de modèles s’offrent à l’utilisateur:</a:t>
+            </a:r>
+          </a:p>
+          <a:p>
+            <a:r>
+              <a:rPr lang="fr-FR" dirty="0"/>
+              <a:t>	1)Brain </a:t>
+            </a:r>
+            <a:r>
+              <a:rPr lang="fr-FR" dirty="0" err="1"/>
+              <a:t>Meme</a:t>
+            </a:r>
+            <a:r>
+              <a:rPr lang="fr-FR" dirty="0"/>
+              <a:t> qui possède quatre zones de textes.</a:t>
+            </a:r>
+          </a:p>
+          <a:p>
+            <a:r>
+              <a:rPr lang="fr-FR" dirty="0"/>
+              <a:t>	2)Drake </a:t>
+            </a:r>
+            <a:r>
+              <a:rPr lang="fr-FR" dirty="0" err="1"/>
+              <a:t>Meme</a:t>
+            </a:r>
+            <a:r>
+              <a:rPr lang="fr-FR" dirty="0"/>
+              <a:t> qui possède deux zones de textes.</a:t>
+            </a:r>
+          </a:p>
+          <a:p>
+            <a:r>
+              <a:rPr lang="fr-FR" dirty="0"/>
+              <a:t>	3)Twitter </a:t>
+            </a:r>
+            <a:r>
+              <a:rPr lang="fr-FR" dirty="0" err="1"/>
+              <a:t>Meme</a:t>
+            </a:r>
+            <a:r>
+              <a:rPr lang="fr-FR" dirty="0"/>
+              <a:t> qui donne un gabarit pour insérer une photo de son choix</a:t>
+            </a:r>
+          </a:p>
+          <a:p>
+            <a:r>
+              <a:rPr lang="fr-FR" dirty="0"/>
+              <a:t>	4) Patrick </a:t>
+            </a:r>
+            <a:r>
+              <a:rPr lang="fr-FR" dirty="0" err="1"/>
+              <a:t>Meme</a:t>
+            </a:r>
+            <a:r>
+              <a:rPr lang="fr-FR" dirty="0"/>
+              <a:t> qui possède une zone de texte.</a:t>
+            </a:r>
+          </a:p>
+          <a:p>
+            <a:r>
+              <a:rPr lang="fr-FR" dirty="0"/>
+              <a:t>-Une fois le choix fait, une icône apparaît pour donner un feedback à l’utilisateur de sa sélection et la barre de progression augmente d’un niveau.</a:t>
+            </a:r>
+          </a:p>
+          <a:p>
+            <a:r>
+              <a:rPr lang="fr-FR" dirty="0"/>
+              <a:t>-Si aucun modèle choisi (en cliquant deux fois sur une image), on ne peut pas peser sur le bouton continuer et un message apparaît: « Vous devez sélectionner un modèle avant de continuer »</a:t>
             </a:r>
           </a:p>
         </p:txBody>
@@ -1026,28 +1243,29 @@
           <a:p>
             <a:r>
               <a:rPr lang="fr-FR" dirty="0"/>
-              <a:t>GALERIE:</a:t>
+              <a:t>Fragment Modele2:</a:t>
             </a:r>
           </a:p>
           <a:p>
             <a:r>
               <a:rPr lang="fr-FR" dirty="0"/>
-              <a:t>-Si l’utilisateur choisi le modèle twitter, il a alors avoir accès à sa galerie photo et à son appareil pour mettre sa propre photo. </a:t>
-            </a:r>
-          </a:p>
-          <a:p>
-            <a:endParaRPr lang="fr-FR" dirty="0"/>
-          </a:p>
-          <a:p>
+              <a:t>Selon l’image choisie, on a quatre types de modèles. Tous les modèles ont des zones de textes prédéfinies identifié par des </a:t>
+            </a:r>
+            <a:r>
+              <a:rPr lang="fr-FR" dirty="0" err="1"/>
+              <a:t>hints</a:t>
+            </a:r>
             <a:r>
               <a:rPr lang="fr-FR" dirty="0"/>
-              <a:t>MODELE:</a:t>
-            </a:r>
-          </a:p>
-          <a:p>
+              <a:t>:   ’’Écrire ici… ’’. Le Twitter </a:t>
+            </a:r>
+            <a:r>
+              <a:rPr lang="fr-FR" dirty="0" err="1"/>
+              <a:t>Meme</a:t>
+            </a:r>
             <a:r>
               <a:rPr lang="fr-FR" dirty="0"/>
-              <a:t>Lorsqu’il choisi un modèle, il peut cliqué sur la zone de texte sur l’image pour insérer son texte. Le style et la police sont déjà prédéfinies.</a:t>
+              <a:t> a en plus 3 boutons qui permettent de prendre une photo avec l’appareil et la mettre comme image, choisir une photo de la galerie de l’appareil et puis de faire une rotation de l’image choisie. Le bouton continuer amène à l’activité Aperçu.</a:t>
             </a:r>
           </a:p>
         </p:txBody>
@@ -1078,7 +1296,7 @@
     </p:spTree>
     <p:extLst>
       <p:ext uri="{BB962C8B-B14F-4D97-AF65-F5344CB8AC3E}">
-        <p14:creationId xmlns:p14="http://schemas.microsoft.com/office/powerpoint/2010/main" val="756362143"/>
+        <p14:creationId xmlns:p14="http://schemas.microsoft.com/office/powerpoint/2010/main" val="4065838442"/>
       </p:ext>
     </p:extLst>
   </p:cSld>
@@ -1134,42 +1352,39 @@
           <a:p>
             <a:r>
               <a:rPr lang="fr-FR" dirty="0"/>
-              <a:t>APERCU:</a:t>
+              <a:t>TWITTER MEME</a:t>
             </a:r>
           </a:p>
           <a:p>
             <a:r>
               <a:rPr lang="fr-FR" dirty="0"/>
-              <a:t>Montre une capture d’écran du « </a:t>
+              <a:t>Lorsqu’on clique sur l’icône de la caméra dans le Twitter </a:t>
             </a:r>
             <a:r>
               <a:rPr lang="fr-FR" dirty="0" err="1"/>
-              <a:t>meme</a:t>
+              <a:t>Meme</a:t>
             </a:r>
             <a:r>
               <a:rPr lang="fr-FR" dirty="0"/>
-              <a:t> ». Si la personne est satisfaite du résultat, elle peut l’enregistrer ou la partager en cliquant .</a:t>
-            </a:r>
-          </a:p>
-          <a:p>
-            <a:endParaRPr lang="fr-FR" dirty="0"/>
-          </a:p>
-          <a:p>
-            <a:endParaRPr lang="fr-FR" dirty="0"/>
+              <a:t>, on accède à l’appareil photo. </a:t>
+            </a:r>
           </a:p>
           <a:p>
             <a:r>
               <a:rPr lang="fr-FR" dirty="0"/>
-              <a:t>SAUVEGARDER:</a:t>
-            </a:r>
-          </a:p>
-          <a:p>
-            <a:endParaRPr lang="fr-FR" dirty="0"/>
+              <a:t>Lorsqu’on clique sur l’icône d’une « montage » on a accès à la galerie de l’appareil photo. </a:t>
+            </a:r>
           </a:p>
           <a:p>
             <a:r>
               <a:rPr lang="fr-FR" dirty="0"/>
-              <a:t>Une fois sauvegarder, un bouton apparaît pour </a:t>
+              <a:t>Lorsqu’on clique sur l’icône de deux flèches, on donne une rotation à l’image choisie.</a:t>
+            </a:r>
+          </a:p>
+          <a:p>
+            <a:r>
+              <a:rPr lang="fr-FR" dirty="0"/>
+              <a:t>-Ce sont des captures d’écrans de l’émulateur d’où les pixels de couleurs.-</a:t>
             </a:r>
           </a:p>
         </p:txBody>
@@ -1200,7 +1415,7 @@
     </p:spTree>
     <p:extLst>
       <p:ext uri="{BB962C8B-B14F-4D97-AF65-F5344CB8AC3E}">
-        <p14:creationId xmlns:p14="http://schemas.microsoft.com/office/powerpoint/2010/main" val="3845772922"/>
+        <p14:creationId xmlns:p14="http://schemas.microsoft.com/office/powerpoint/2010/main" val="756362143"/>
       </p:ext>
     </p:extLst>
   </p:cSld>
@@ -1254,6 +1469,26 @@
           <a:bodyPr/>
           <a:lstStyle/>
           <a:p>
+            <a:r>
+              <a:rPr lang="fr-FR" dirty="0"/>
+              <a:t>APERCU:</a:t>
+            </a:r>
+          </a:p>
+          <a:p>
+            <a:r>
+              <a:rPr lang="fr-FR" dirty="0"/>
+              <a:t>Montre une capture d’écran du « </a:t>
+            </a:r>
+            <a:r>
+              <a:rPr lang="fr-FR" dirty="0" err="1"/>
+              <a:t>meme</a:t>
+            </a:r>
+            <a:r>
+              <a:rPr lang="fr-FR" dirty="0"/>
+              <a:t> ». Si la personne est satisfaite du résultat, elle peut l’enregistrer ou la partager. Si clique sur « Enregistrer l’aperçu » un message ‘’Sauvegardé’’ apparaitra et l’image sera enregistrée dans la galerie. Si on clique sur « partager » alors on sera dirigé vers le réseau social choisi.</a:t>
+            </a:r>
+          </a:p>
+          <a:p>
             <a:endParaRPr lang="fr-FR" dirty="0"/>
           </a:p>
         </p:txBody>
@@ -1284,7 +1519,7 @@
     </p:spTree>
     <p:extLst>
       <p:ext uri="{BB962C8B-B14F-4D97-AF65-F5344CB8AC3E}">
-        <p14:creationId xmlns:p14="http://schemas.microsoft.com/office/powerpoint/2010/main" val="1068139219"/>
+        <p14:creationId xmlns:p14="http://schemas.microsoft.com/office/powerpoint/2010/main" val="3845772922"/>
       </p:ext>
     </p:extLst>
   </p:cSld>
@@ -1338,10 +1573,7 @@
           <a:bodyPr/>
           <a:lstStyle/>
           <a:p>
-            <a:r>
-              <a:rPr lang="fr-FR" dirty="0"/>
-              <a:t>Nous avons ajouter l’option de partager la création sur les réseaux sociaux.</a:t>
-            </a:r>
+            <a:endParaRPr lang="fr-FR" dirty="0"/>
           </a:p>
         </p:txBody>
       </p:sp>
@@ -1371,7 +1603,7 @@
     </p:spTree>
     <p:extLst>
       <p:ext uri="{BB962C8B-B14F-4D97-AF65-F5344CB8AC3E}">
-        <p14:creationId xmlns:p14="http://schemas.microsoft.com/office/powerpoint/2010/main" val="523362965"/>
+        <p14:creationId xmlns:p14="http://schemas.microsoft.com/office/powerpoint/2010/main" val="1068139219"/>
       </p:ext>
     </p:extLst>
   </p:cSld>
@@ -1455,7 +1687,7 @@
     </p:spTree>
     <p:extLst>
       <p:ext uri="{BB962C8B-B14F-4D97-AF65-F5344CB8AC3E}">
-        <p14:creationId xmlns:p14="http://schemas.microsoft.com/office/powerpoint/2010/main" val="3274009232"/>
+        <p14:creationId xmlns:p14="http://schemas.microsoft.com/office/powerpoint/2010/main" val="523362965"/>
       </p:ext>
     </p:extLst>
   </p:cSld>
@@ -1509,23 +1741,6 @@
           <a:bodyPr/>
           <a:lstStyle/>
           <a:p>
-            <a:pPr marL="0" marR="0" lvl="0" indent="0" algn="l" defTabSz="914400" rtl="0" eaLnBrk="1" fontAlgn="auto" latinLnBrk="0" hangingPunct="1">
-              <a:lnSpc>
-                <a:spcPct val="100000"/>
-              </a:lnSpc>
-              <a:spcBef>
-                <a:spcPts val="0"/>
-              </a:spcBef>
-              <a:spcAft>
-                <a:spcPts val="0"/>
-              </a:spcAft>
-              <a:buClrTx/>
-              <a:buSzTx/>
-              <a:buFontTx/>
-              <a:buNone/>
-              <a:tabLst/>
-              <a:defRPr/>
-            </a:pPr>
             <a:endParaRPr lang="fr-FR" dirty="0"/>
           </a:p>
         </p:txBody>
@@ -1556,7 +1771,7 @@
     </p:spTree>
     <p:extLst>
       <p:ext uri="{BB962C8B-B14F-4D97-AF65-F5344CB8AC3E}">
-        <p14:creationId xmlns:p14="http://schemas.microsoft.com/office/powerpoint/2010/main" val="1488919945"/>
+        <p14:creationId xmlns:p14="http://schemas.microsoft.com/office/powerpoint/2010/main" val="3274009232"/>
       </p:ext>
     </p:extLst>
   </p:cSld>
@@ -2288,7 +2503,7 @@
           <a:p>
             <a:fld id="{5CB8DF62-8075-A64F-833B-CBA37D94524C}" type="datetimeFigureOut">
               <a:rPr lang="fr-FR" smtClean="0"/>
-              <a:t>09/04/2018</a:t>
+              <a:t>12/04/2018</a:t>
             </a:fld>
             <a:endParaRPr lang="fr-FR"/>
           </a:p>
@@ -2539,7 +2754,7 @@
           <a:p>
             <a:fld id="{5CB8DF62-8075-A64F-833B-CBA37D94524C}" type="datetimeFigureOut">
               <a:rPr lang="fr-FR" smtClean="0"/>
-              <a:t>09/04/2018</a:t>
+              <a:t>12/04/2018</a:t>
             </a:fld>
             <a:endParaRPr lang="fr-FR"/>
           </a:p>
@@ -2853,7 +3068,7 @@
           <a:p>
             <a:fld id="{5CB8DF62-8075-A64F-833B-CBA37D94524C}" type="datetimeFigureOut">
               <a:rPr lang="fr-FR" smtClean="0"/>
-              <a:t>09/04/2018</a:t>
+              <a:t>12/04/2018</a:t>
             </a:fld>
             <a:endParaRPr lang="fr-FR"/>
           </a:p>
@@ -3194,7 +3409,7 @@
           <a:p>
             <a:fld id="{5CB8DF62-8075-A64F-833B-CBA37D94524C}" type="datetimeFigureOut">
               <a:rPr lang="fr-FR" smtClean="0"/>
-              <a:t>09/04/2018</a:t>
+              <a:t>12/04/2018</a:t>
             </a:fld>
             <a:endParaRPr lang="fr-FR"/>
           </a:p>
@@ -3508,7 +3723,7 @@
           <a:p>
             <a:fld id="{5CB8DF62-8075-A64F-833B-CBA37D94524C}" type="datetimeFigureOut">
               <a:rPr lang="fr-FR" smtClean="0"/>
-              <a:t>09/04/2018</a:t>
+              <a:t>12/04/2018</a:t>
             </a:fld>
             <a:endParaRPr lang="fr-FR"/>
           </a:p>
@@ -3901,7 +4116,7 @@
           <a:p>
             <a:fld id="{5CB8DF62-8075-A64F-833B-CBA37D94524C}" type="datetimeFigureOut">
               <a:rPr lang="fr-FR" smtClean="0"/>
-              <a:t>09/04/2018</a:t>
+              <a:t>12/04/2018</a:t>
             </a:fld>
             <a:endParaRPr lang="fr-FR"/>
           </a:p>
@@ -4071,7 +4286,7 @@
           <a:p>
             <a:fld id="{5CB8DF62-8075-A64F-833B-CBA37D94524C}" type="datetimeFigureOut">
               <a:rPr lang="fr-FR" smtClean="0"/>
-              <a:t>09/04/2018</a:t>
+              <a:t>12/04/2018</a:t>
             </a:fld>
             <a:endParaRPr lang="fr-FR"/>
           </a:p>
@@ -4251,7 +4466,7 @@
           <a:p>
             <a:fld id="{5CB8DF62-8075-A64F-833B-CBA37D94524C}" type="datetimeFigureOut">
               <a:rPr lang="fr-FR" smtClean="0"/>
-              <a:t>09/04/2018</a:t>
+              <a:t>12/04/2018</a:t>
             </a:fld>
             <a:endParaRPr lang="fr-FR"/>
           </a:p>
@@ -4427,7 +4642,7 @@
           <a:p>
             <a:fld id="{5CB8DF62-8075-A64F-833B-CBA37D94524C}" type="datetimeFigureOut">
               <a:rPr lang="fr-FR" smtClean="0"/>
-              <a:t>09/04/2018</a:t>
+              <a:t>12/04/2018</a:t>
             </a:fld>
             <a:endParaRPr lang="fr-FR"/>
           </a:p>
@@ -4674,7 +4889,7 @@
           <a:p>
             <a:fld id="{5CB8DF62-8075-A64F-833B-CBA37D94524C}" type="datetimeFigureOut">
               <a:rPr lang="fr-FR" smtClean="0"/>
-              <a:t>09/04/2018</a:t>
+              <a:t>12/04/2018</a:t>
             </a:fld>
             <a:endParaRPr lang="fr-FR"/>
           </a:p>
@@ -4906,7 +5121,7 @@
           <a:p>
             <a:fld id="{5CB8DF62-8075-A64F-833B-CBA37D94524C}" type="datetimeFigureOut">
               <a:rPr lang="fr-FR" smtClean="0"/>
-              <a:t>09/04/2018</a:t>
+              <a:t>12/04/2018</a:t>
             </a:fld>
             <a:endParaRPr lang="fr-FR"/>
           </a:p>
@@ -5280,7 +5495,7 @@
           <a:p>
             <a:fld id="{5CB8DF62-8075-A64F-833B-CBA37D94524C}" type="datetimeFigureOut">
               <a:rPr lang="fr-FR" smtClean="0"/>
-              <a:t>09/04/2018</a:t>
+              <a:t>12/04/2018</a:t>
             </a:fld>
             <a:endParaRPr lang="fr-FR"/>
           </a:p>
@@ -5403,7 +5618,7 @@
           <a:p>
             <a:fld id="{5CB8DF62-8075-A64F-833B-CBA37D94524C}" type="datetimeFigureOut">
               <a:rPr lang="fr-FR" smtClean="0"/>
-              <a:t>09/04/2018</a:t>
+              <a:t>12/04/2018</a:t>
             </a:fld>
             <a:endParaRPr lang="fr-FR"/>
           </a:p>
@@ -5498,7 +5713,7 @@
           <a:p>
             <a:fld id="{5CB8DF62-8075-A64F-833B-CBA37D94524C}" type="datetimeFigureOut">
               <a:rPr lang="fr-FR" smtClean="0"/>
-              <a:t>09/04/2018</a:t>
+              <a:t>12/04/2018</a:t>
             </a:fld>
             <a:endParaRPr lang="fr-FR"/>
           </a:p>
@@ -5753,7 +5968,7 @@
           <a:p>
             <a:fld id="{5CB8DF62-8075-A64F-833B-CBA37D94524C}" type="datetimeFigureOut">
               <a:rPr lang="fr-FR" smtClean="0"/>
-              <a:t>09/04/2018</a:t>
+              <a:t>12/04/2018</a:t>
             </a:fld>
             <a:endParaRPr lang="fr-FR"/>
           </a:p>
@@ -6016,7 +6231,7 @@
           <a:p>
             <a:fld id="{5CB8DF62-8075-A64F-833B-CBA37D94524C}" type="datetimeFigureOut">
               <a:rPr lang="fr-FR" smtClean="0"/>
-              <a:t>09/04/2018</a:t>
+              <a:t>12/04/2018</a:t>
             </a:fld>
             <a:endParaRPr lang="fr-FR"/>
           </a:p>
@@ -6759,7 +6974,7 @@
           <a:p>
             <a:fld id="{5CB8DF62-8075-A64F-833B-CBA37D94524C}" type="datetimeFigureOut">
               <a:rPr lang="fr-FR" smtClean="0"/>
-              <a:t>09/04/2018</a:t>
+              <a:t>12/04/2018</a:t>
             </a:fld>
             <a:endParaRPr lang="fr-FR"/>
           </a:p>
@@ -7511,7 +7726,7 @@
         </p:blipFill>
         <p:spPr>
           <a:xfrm>
-            <a:off x="4846590" y="2101855"/>
+            <a:off x="4846588" y="1695811"/>
             <a:ext cx="1789101" cy="1704216"/>
           </a:xfrm>
           <a:prstGeom prst="rect">
@@ -7519,6 +7734,43 @@
           </a:prstGeom>
         </p:spPr>
       </p:pic>
+      <p:sp>
+        <p:nvSpPr>
+          <p:cNvPr id="8" name="ZoneTexte 7">
+            <a:extLst>
+              <a:ext uri="{FF2B5EF4-FFF2-40B4-BE49-F238E27FC236}">
+                <a16:creationId xmlns:a16="http://schemas.microsoft.com/office/drawing/2014/main" id="{1052374F-7D65-EC43-AC1E-7A6FACBDC851}"/>
+              </a:ext>
+            </a:extLst>
+          </p:cNvPr>
+          <p:cNvSpPr txBox="1"/>
+          <p:nvPr/>
+        </p:nvSpPr>
+        <p:spPr>
+          <a:xfrm>
+            <a:off x="2908291" y="3855383"/>
+            <a:ext cx="5665697" cy="646331"/>
+          </a:xfrm>
+          <a:prstGeom prst="rect">
+            <a:avLst/>
+          </a:prstGeom>
+          <a:noFill/>
+        </p:spPr>
+        <p:txBody>
+          <a:bodyPr wrap="square" rtlCol="0">
+            <a:spAutoFit/>
+          </a:bodyPr>
+          <a:lstStyle/>
+          <a:p>
+            <a:pPr algn="ctr"/>
+            <a:r>
+              <a:rPr lang="fr-FR" dirty="0"/>
+              <a:t>L’APPLICATION QUI VOUS PERMET DE CRÉER RAPIDEMENT DES  MEMES </a:t>
+            </a:r>
+            <a:endParaRPr lang="fr-FR" u="sng" dirty="0"/>
+          </a:p>
+        </p:txBody>
+      </p:sp>
     </p:spTree>
     <p:extLst>
       <p:ext uri="{BB962C8B-B14F-4D97-AF65-F5344CB8AC3E}">
@@ -7563,8 +7815,8 @@
         </p:nvSpPr>
         <p:spPr>
           <a:xfrm>
-            <a:off x="475130" y="618583"/>
-            <a:ext cx="5360894" cy="707886"/>
+            <a:off x="609600" y="206207"/>
+            <a:ext cx="4987682" cy="707886"/>
           </a:xfrm>
           <a:prstGeom prst="rect">
             <a:avLst/>
@@ -7611,8 +7863,8 @@
         </p:nvSpPr>
         <p:spPr>
           <a:xfrm>
-            <a:off x="824753" y="1326469"/>
-            <a:ext cx="4661648" cy="646331"/>
+            <a:off x="609600" y="1093387"/>
+            <a:ext cx="9305365" cy="5632311"/>
           </a:xfrm>
           <a:prstGeom prst="rect">
             <a:avLst/>
@@ -7626,22 +7878,103 @@
           <a:lstStyle/>
           <a:p>
             <a:r>
+              <a:rPr lang="fr-FR" b="1" dirty="0"/>
+              <a:t>Efficacité</a:t>
+            </a:r>
+            <a:r>
               <a:rPr lang="fr-FR" dirty="0"/>
-              <a:t>CHANGEMENT DE DESIGN</a:t>
-            </a:r>
-          </a:p>
-          <a:p>
+              <a:t>: l’application permet aux utilisateurs d’atteindre le résultat prévu qui est de 	créer un </a:t>
+            </a:r>
+            <a:r>
+              <a:rPr lang="fr-FR" dirty="0" err="1"/>
+              <a:t>meme</a:t>
+            </a:r>
             <a:r>
               <a:rPr lang="fr-FR" dirty="0"/>
-              <a:t>-Suppression de l’activité création</a:t>
-            </a:r>
+              <a:t>.</a:t>
+            </a:r>
+          </a:p>
+          <a:p>
+            <a:r>
+              <a:rPr lang="fr-FR" b="1" dirty="0"/>
+              <a:t>Efficience:</a:t>
+            </a:r>
+            <a:r>
+              <a:rPr lang="fr-FR" dirty="0"/>
+              <a:t> l’utilisateur peut créer un </a:t>
+            </a:r>
+            <a:r>
+              <a:rPr lang="fr-FR" dirty="0" err="1"/>
+              <a:t>meme</a:t>
+            </a:r>
+            <a:r>
+              <a:rPr lang="fr-FR" dirty="0"/>
+              <a:t> très peu de temps. </a:t>
+            </a:r>
+            <a:endParaRPr lang="fr-FR" b="1" dirty="0"/>
+          </a:p>
+          <a:p>
+            <a:pPr lvl="0">
+              <a:defRPr/>
+            </a:pPr>
+            <a:r>
+              <a:rPr lang="fr-FR" b="1" dirty="0"/>
+              <a:t>Satisfaction &amp; Simplicité d’apprentissage</a:t>
+            </a:r>
+            <a:r>
+              <a:rPr lang="fr-FR" dirty="0"/>
+              <a:t>: Après avoir tester l’application aux 	membres de notre entourage, nous pouvons confirmer </a:t>
+            </a:r>
+            <a:r>
+              <a:rPr lang="fr-CA" dirty="0"/>
+              <a:t>l’expérience 	d’utilisation se fait de manière fluide grâce au bon design qui guide 	l’utilisateur pour chaque étape du processus.</a:t>
+            </a:r>
+            <a:endParaRPr lang="fr-FR" dirty="0"/>
+          </a:p>
+          <a:p>
+            <a:r>
+              <a:rPr lang="fr-FR" b="1" dirty="0"/>
+              <a:t>Mémorabilité:</a:t>
+            </a:r>
+            <a:r>
+              <a:rPr lang="fr-FR" dirty="0"/>
+              <a:t> l’application ne demande pas beaucoup de mémorabilité, elle est assez 	simple et bien guidé.</a:t>
+            </a:r>
+            <a:endParaRPr lang="fr-FR" b="1" dirty="0"/>
+          </a:p>
+          <a:p>
+            <a:r>
+              <a:rPr lang="fr-FR" b="1" dirty="0"/>
+              <a:t>Visibilité (Feedback):</a:t>
+            </a:r>
+            <a:r>
+              <a:rPr lang="fr-FR" dirty="0"/>
+              <a:t> Nous nous sommes arrangés pour créer un thème de couleur 	(orangé). On s’est aussi assuré que chaque écriteaux soient lisibles et 	visibles. 	Par ailleurs, nous avons éviter le plus possible de surcharger nos 	fragments pour garder une bonne visibilité.</a:t>
+            </a:r>
+            <a:endParaRPr lang="fr-FR" b="1" dirty="0"/>
+          </a:p>
+          <a:p>
+            <a:r>
+              <a:rPr lang="fr-FR" b="1" dirty="0"/>
+              <a:t>Erreur:</a:t>
+            </a:r>
+            <a:r>
+              <a:rPr lang="fr-FR" dirty="0"/>
+              <a:t> Pour éviter les erreurs nous avons mis des alertes lorsqu’une action n’est pas 	possible. Nous avons demandé a des gens de notre entourage de tester notre 	application. Ils n’ont pas trouvé d’erreurs en particulier, mais un commentaire 	qui revenait était la vitesse de l’application. En effet se dernier n’est pas 	optimal.</a:t>
+            </a:r>
+          </a:p>
+          <a:p>
+            <a:endParaRPr lang="fr-FR" b="1" dirty="0"/>
+          </a:p>
+          <a:p>
+            <a:endParaRPr lang="fr-FR" i="1" dirty="0"/>
           </a:p>
         </p:txBody>
       </p:sp>
     </p:spTree>
     <p:extLst>
       <p:ext uri="{BB962C8B-B14F-4D97-AF65-F5344CB8AC3E}">
-        <p14:creationId xmlns:p14="http://schemas.microsoft.com/office/powerpoint/2010/main" val="3601364339"/>
+        <p14:creationId xmlns:p14="http://schemas.microsoft.com/office/powerpoint/2010/main" val="3166797498"/>
       </p:ext>
     </p:extLst>
   </p:cSld>
@@ -7682,8 +8015,8 @@
         </p:nvSpPr>
         <p:spPr>
           <a:xfrm>
-            <a:off x="286870" y="618583"/>
-            <a:ext cx="4096871" cy="707886"/>
+            <a:off x="475130" y="618583"/>
+            <a:ext cx="5360894" cy="707886"/>
           </a:xfrm>
           <a:prstGeom prst="rect">
             <a:avLst/>
@@ -7711,7 +8044,7 @@
                   </a:outerShdw>
                 </a:effectLst>
               </a:rPr>
-              <a:t>DIFFUCULTÉS </a:t>
+              <a:t>UTILISABILITÉ SUITE:</a:t>
             </a:r>
           </a:p>
         </p:txBody>
@@ -7730,8 +8063,8 @@
         </p:nvSpPr>
         <p:spPr>
           <a:xfrm>
-            <a:off x="824753" y="1326469"/>
-            <a:ext cx="4661648" cy="646331"/>
+            <a:off x="824752" y="1326469"/>
+            <a:ext cx="8992107" cy="3139321"/>
           </a:xfrm>
           <a:prstGeom prst="rect">
             <a:avLst/>
@@ -7746,126 +8079,54 @@
           <a:p>
             <a:r>
               <a:rPr lang="fr-FR" dirty="0"/>
-              <a:t>-</a:t>
+              <a:t>CHANGEMENT DE DESIGN</a:t>
+            </a:r>
+          </a:p>
+          <a:p>
+            <a:r>
+              <a:rPr lang="fr-FR" dirty="0"/>
+              <a:t> </a:t>
+            </a:r>
+            <a:r>
+              <a:rPr lang="fr-FR" b="1" dirty="0"/>
+              <a:t>Suppression de l’activité création</a:t>
+            </a:r>
+            <a:r>
+              <a:rPr lang="fr-FR" dirty="0"/>
+              <a:t>: Après réflexion, nous avons pris la 	décision d’enlever l’activité création. Nous avons réalisé que 	cette autre 	activité est </a:t>
+            </a:r>
+            <a:r>
+              <a:rPr lang="fr-FR" i="1" dirty="0"/>
+              <a:t>beaucoup plus robuste qu’on pensait pour le si peut de temps 	qu’on avait.  </a:t>
+            </a:r>
+            <a:r>
+              <a:rPr lang="fr-FR" dirty="0"/>
+              <a:t>Par ailleurs, nous avons jugé que l’activité modèle touche un 	peu à ce qu’on voulait  apriori faire dans création.</a:t>
             </a:r>
           </a:p>
           <a:p>
             <a:endParaRPr lang="fr-FR" dirty="0"/>
           </a:p>
-        </p:txBody>
-      </p:sp>
-      <p:sp>
-        <p:nvSpPr>
-          <p:cNvPr id="4" name="Rectangle 3">
-            <a:extLst>
-              <a:ext uri="{FF2B5EF4-FFF2-40B4-BE49-F238E27FC236}">
-                <a16:creationId xmlns:a16="http://schemas.microsoft.com/office/drawing/2014/main" id="{934BBB69-F3C4-2641-BB71-1CB18B5F5B7A}"/>
-              </a:ext>
-            </a:extLst>
-          </p:cNvPr>
-          <p:cNvSpPr/>
-          <p:nvPr/>
-        </p:nvSpPr>
-        <p:spPr>
-          <a:xfrm>
-            <a:off x="0" y="2680686"/>
-            <a:ext cx="4190999" cy="707886"/>
-          </a:xfrm>
-          <a:prstGeom prst="rect">
-            <a:avLst/>
-          </a:prstGeom>
-          <a:noFill/>
-        </p:spPr>
-        <p:txBody>
-          <a:bodyPr wrap="square" lIns="91440" tIns="45720" rIns="91440" bIns="45720">
-            <a:spAutoFit/>
-          </a:bodyPr>
-          <a:lstStyle/>
-          <a:p>
-            <a:pPr algn="ctr"/>
-            <a:r>
-              <a:rPr lang="fr-FR" sz="4000" b="0" cap="none" spc="0" dirty="0">
-                <a:ln w="0"/>
-                <a:solidFill>
-                  <a:schemeClr val="tx1"/>
-                </a:solidFill>
-                <a:effectLst>
-                  <a:outerShdw blurRad="38100" dist="19050" dir="2700000" algn="tl" rotWithShape="0">
-                    <a:schemeClr val="dk1">
-                      <a:alpha val="40000"/>
-                    </a:schemeClr>
-                  </a:outerShdw>
-                </a:effectLst>
-              </a:rPr>
-              <a:t> </a:t>
-            </a:r>
-            <a:r>
-              <a:rPr lang="fr-FR" sz="4000" dirty="0">
-                <a:ln w="0"/>
-                <a:effectLst>
-                  <a:outerShdw blurRad="38100" dist="19050" dir="2700000" algn="tl" rotWithShape="0">
-                    <a:schemeClr val="dk1">
-                      <a:alpha val="40000"/>
-                    </a:schemeClr>
-                  </a:outerShdw>
-                </a:effectLst>
-              </a:rPr>
-              <a:t>BONS COUPS</a:t>
-            </a:r>
-            <a:endParaRPr lang="fr-FR" sz="4000" b="0" cap="none" spc="0" dirty="0">
-              <a:ln w="0"/>
-              <a:solidFill>
-                <a:schemeClr val="tx1"/>
-              </a:solidFill>
-              <a:effectLst>
-                <a:outerShdw blurRad="38100" dist="19050" dir="2700000" algn="tl" rotWithShape="0">
-                  <a:schemeClr val="dk1">
-                    <a:alpha val="40000"/>
-                  </a:schemeClr>
-                </a:outerShdw>
-              </a:effectLst>
-            </a:endParaRPr>
-          </a:p>
-        </p:txBody>
-      </p:sp>
-      <p:sp>
-        <p:nvSpPr>
-          <p:cNvPr id="5" name="ZoneTexte 4">
-            <a:extLst>
-              <a:ext uri="{FF2B5EF4-FFF2-40B4-BE49-F238E27FC236}">
-                <a16:creationId xmlns:a16="http://schemas.microsoft.com/office/drawing/2014/main" id="{99E6A4B7-BDFA-EB4D-BA87-90CC598D4E25}"/>
-              </a:ext>
-            </a:extLst>
-          </p:cNvPr>
-          <p:cNvSpPr txBox="1"/>
-          <p:nvPr/>
-        </p:nvSpPr>
-        <p:spPr>
-          <a:xfrm>
-            <a:off x="824753" y="3450127"/>
-            <a:ext cx="4661648" cy="923330"/>
-          </a:xfrm>
-          <a:prstGeom prst="rect">
-            <a:avLst/>
-          </a:prstGeom>
-          <a:noFill/>
-        </p:spPr>
-        <p:txBody>
-          <a:bodyPr wrap="square" rtlCol="0">
-            <a:spAutoFit/>
-          </a:bodyPr>
-          <a:lstStyle/>
-          <a:p>
+          <a:p>
+            <a:r>
+              <a:rPr lang="fr-FR" b="1" dirty="0"/>
+              <a:t>Zone de texte: </a:t>
+            </a:r>
             <a:r>
               <a:rPr lang="fr-FR" dirty="0"/>
-              <a:t>-Nom de l’application</a:t>
-            </a:r>
-          </a:p>
-          <a:p>
+              <a:t>Changement dans la manière d’insérer le texte sur les </a:t>
+            </a:r>
+            <a:r>
+              <a:rPr lang="fr-FR" dirty="0" err="1"/>
+              <a:t>memes</a:t>
+            </a:r>
             <a:r>
               <a:rPr lang="fr-FR" dirty="0"/>
-              <a:t>-Partage sur les réseaux sociaux</a:t>
-            </a:r>
+              <a:t>. Se 	fait directement sur l’image au lieu de passer par une liste.</a:t>
+            </a:r>
+          </a:p>
+          <a:p>
+            <a:endParaRPr lang="fr-FR" dirty="0"/>
           </a:p>
           <a:p>
             <a:endParaRPr lang="fr-FR" dirty="0"/>
@@ -7875,7 +8136,7 @@
     </p:spTree>
     <p:extLst>
       <p:ext uri="{BB962C8B-B14F-4D97-AF65-F5344CB8AC3E}">
-        <p14:creationId xmlns:p14="http://schemas.microsoft.com/office/powerpoint/2010/main" val="2179300886"/>
+        <p14:creationId xmlns:p14="http://schemas.microsoft.com/office/powerpoint/2010/main" val="3601364339"/>
       </p:ext>
     </p:extLst>
   </p:cSld>
@@ -7932,8 +8193,11 @@
           <a:p>
             <a:pPr algn="ctr"/>
             <a:r>
-              <a:rPr lang="fr-FR" sz="4000" dirty="0">
+              <a:rPr lang="fr-FR" sz="4000" b="0" cap="none" spc="0" dirty="0">
                 <a:ln w="0"/>
+                <a:solidFill>
+                  <a:schemeClr val="tx1"/>
+                </a:solidFill>
                 <a:effectLst>
                   <a:outerShdw blurRad="38100" dist="19050" dir="2700000" algn="tl" rotWithShape="0">
                     <a:schemeClr val="dk1">
@@ -7942,8 +8206,84 @@
                   </a:outerShdw>
                 </a:effectLst>
               </a:rPr>
-              <a:t>À REFAIRE</a:t>
-            </a:r>
+              <a:t>DIFFICULTÉS </a:t>
+            </a:r>
+          </a:p>
+        </p:txBody>
+      </p:sp>
+      <p:sp>
+        <p:nvSpPr>
+          <p:cNvPr id="3" name="ZoneTexte 2">
+            <a:extLst>
+              <a:ext uri="{FF2B5EF4-FFF2-40B4-BE49-F238E27FC236}">
+                <a16:creationId xmlns:a16="http://schemas.microsoft.com/office/drawing/2014/main" id="{A118B3BE-0C26-1D4F-859C-E7C348DE18E8}"/>
+              </a:ext>
+            </a:extLst>
+          </p:cNvPr>
+          <p:cNvSpPr txBox="1"/>
+          <p:nvPr/>
+        </p:nvSpPr>
+        <p:spPr>
+          <a:xfrm>
+            <a:off x="824753" y="1326469"/>
+            <a:ext cx="4661648" cy="923330"/>
+          </a:xfrm>
+          <a:prstGeom prst="rect">
+            <a:avLst/>
+          </a:prstGeom>
+          <a:noFill/>
+        </p:spPr>
+        <p:txBody>
+          <a:bodyPr wrap="square" rtlCol="0">
+            <a:spAutoFit/>
+          </a:bodyPr>
+          <a:lstStyle/>
+          <a:p>
+            <a:r>
+              <a:rPr lang="fr-FR" dirty="0"/>
+              <a:t>-Suivre notre échéancier</a:t>
+            </a:r>
+          </a:p>
+          <a:p>
+            <a:r>
+              <a:rPr lang="fr-FR" dirty="0"/>
+              <a:t>-Tests entre émulateur et Android</a:t>
+            </a:r>
+          </a:p>
+          <a:p>
+            <a:endParaRPr lang="fr-FR" dirty="0"/>
+          </a:p>
+        </p:txBody>
+      </p:sp>
+      <p:sp>
+        <p:nvSpPr>
+          <p:cNvPr id="4" name="Rectangle 3">
+            <a:extLst>
+              <a:ext uri="{FF2B5EF4-FFF2-40B4-BE49-F238E27FC236}">
+                <a16:creationId xmlns:a16="http://schemas.microsoft.com/office/drawing/2014/main" id="{934BBB69-F3C4-2641-BB71-1CB18B5F5B7A}"/>
+              </a:ext>
+            </a:extLst>
+          </p:cNvPr>
+          <p:cNvSpPr/>
+          <p:nvPr/>
+        </p:nvSpPr>
+        <p:spPr>
+          <a:xfrm>
+            <a:off x="0" y="2680686"/>
+            <a:ext cx="4190999" cy="707886"/>
+          </a:xfrm>
+          <a:prstGeom prst="rect">
+            <a:avLst/>
+          </a:prstGeom>
+          <a:noFill/>
+        </p:spPr>
+        <p:txBody>
+          <a:bodyPr wrap="square" lIns="91440" tIns="45720" rIns="91440" bIns="45720">
+            <a:spAutoFit/>
+          </a:bodyPr>
+          <a:lstStyle/>
+          <a:p>
+            <a:pPr algn="ctr"/>
             <a:r>
               <a:rPr lang="fr-FR" sz="4000" b="0" cap="none" spc="0" dirty="0">
                 <a:ln w="0"/>
@@ -7960,6 +8300,184 @@
               </a:rPr>
               <a:t> </a:t>
             </a:r>
+            <a:r>
+              <a:rPr lang="fr-FR" sz="4000" dirty="0">
+                <a:ln w="0"/>
+                <a:effectLst>
+                  <a:outerShdw blurRad="38100" dist="19050" dir="2700000" algn="tl" rotWithShape="0">
+                    <a:schemeClr val="dk1">
+                      <a:alpha val="40000"/>
+                    </a:schemeClr>
+                  </a:outerShdw>
+                </a:effectLst>
+              </a:rPr>
+              <a:t>BONS COUPS</a:t>
+            </a:r>
+            <a:endParaRPr lang="fr-FR" sz="4000" b="0" cap="none" spc="0" dirty="0">
+              <a:ln w="0"/>
+              <a:solidFill>
+                <a:schemeClr val="tx1"/>
+              </a:solidFill>
+              <a:effectLst>
+                <a:outerShdw blurRad="38100" dist="19050" dir="2700000" algn="tl" rotWithShape="0">
+                  <a:schemeClr val="dk1">
+                    <a:alpha val="40000"/>
+                  </a:schemeClr>
+                </a:outerShdw>
+              </a:effectLst>
+            </a:endParaRPr>
+          </a:p>
+        </p:txBody>
+      </p:sp>
+      <p:sp>
+        <p:nvSpPr>
+          <p:cNvPr id="5" name="ZoneTexte 4">
+            <a:extLst>
+              <a:ext uri="{FF2B5EF4-FFF2-40B4-BE49-F238E27FC236}">
+                <a16:creationId xmlns:a16="http://schemas.microsoft.com/office/drawing/2014/main" id="{99E6A4B7-BDFA-EB4D-BA87-90CC598D4E25}"/>
+              </a:ext>
+            </a:extLst>
+          </p:cNvPr>
+          <p:cNvSpPr txBox="1"/>
+          <p:nvPr/>
+        </p:nvSpPr>
+        <p:spPr>
+          <a:xfrm>
+            <a:off x="846018" y="3450127"/>
+            <a:ext cx="8712050" cy="1200329"/>
+          </a:xfrm>
+          <a:prstGeom prst="rect">
+            <a:avLst/>
+          </a:prstGeom>
+          <a:noFill/>
+        </p:spPr>
+        <p:txBody>
+          <a:bodyPr wrap="square" rtlCol="0">
+            <a:spAutoFit/>
+          </a:bodyPr>
+          <a:lstStyle/>
+          <a:p>
+            <a:r>
+              <a:rPr lang="fr-FR" dirty="0"/>
+              <a:t>-Création de </a:t>
+            </a:r>
+            <a:r>
+              <a:rPr lang="fr-FR" dirty="0" err="1"/>
+              <a:t>Github</a:t>
+            </a:r>
+            <a:r>
+              <a:rPr lang="fr-FR" dirty="0"/>
+              <a:t> </a:t>
+            </a:r>
+          </a:p>
+          <a:p>
+            <a:r>
+              <a:rPr lang="fr-FR" dirty="0"/>
+              <a:t>-Nom de l’application</a:t>
+            </a:r>
+          </a:p>
+          <a:p>
+            <a:r>
+              <a:rPr lang="fr-FR" dirty="0"/>
+              <a:t>-Partage sur les réseaux sociaux</a:t>
+            </a:r>
+          </a:p>
+          <a:p>
+            <a:r>
+              <a:rPr lang="fr-FR" dirty="0"/>
+              <a:t>-Tester l’application à notre entourage et faire des modifications en conséquence.</a:t>
+            </a:r>
+          </a:p>
+        </p:txBody>
+      </p:sp>
+    </p:spTree>
+    <p:extLst>
+      <p:ext uri="{BB962C8B-B14F-4D97-AF65-F5344CB8AC3E}">
+        <p14:creationId xmlns:p14="http://schemas.microsoft.com/office/powerpoint/2010/main" val="2179300886"/>
+      </p:ext>
+    </p:extLst>
+  </p:cSld>
+  <p:clrMapOvr>
+    <a:masterClrMapping/>
+  </p:clrMapOvr>
+</p:sld>
+</file>
+
+<file path=ppt/slides/slide13.xml><?xml version="1.0" encoding="utf-8"?>
+<p:sld xmlns:a="http://schemas.openxmlformats.org/drawingml/2006/main" xmlns:r="http://schemas.openxmlformats.org/officeDocument/2006/relationships" xmlns:p="http://schemas.openxmlformats.org/presentationml/2006/main">
+  <p:cSld>
+    <p:spTree>
+      <p:nvGrpSpPr>
+        <p:cNvPr id="1" name=""/>
+        <p:cNvGrpSpPr/>
+        <p:nvPr/>
+      </p:nvGrpSpPr>
+      <p:grpSpPr>
+        <a:xfrm>
+          <a:off x="0" y="0"/>
+          <a:ext cx="0" cy="0"/>
+          <a:chOff x="0" y="0"/>
+          <a:chExt cx="0" cy="0"/>
+        </a:xfrm>
+      </p:grpSpPr>
+      <p:sp>
+        <p:nvSpPr>
+          <p:cNvPr id="2" name="Rectangle 1">
+            <a:extLst>
+              <a:ext uri="{FF2B5EF4-FFF2-40B4-BE49-F238E27FC236}">
+                <a16:creationId xmlns:a16="http://schemas.microsoft.com/office/drawing/2014/main" id="{523D3903-3F93-9945-BDC3-DDDA91661857}"/>
+              </a:ext>
+            </a:extLst>
+          </p:cNvPr>
+          <p:cNvSpPr/>
+          <p:nvPr/>
+        </p:nvSpPr>
+        <p:spPr>
+          <a:xfrm>
+            <a:off x="286870" y="618583"/>
+            <a:ext cx="4096871" cy="707886"/>
+          </a:xfrm>
+          <a:prstGeom prst="rect">
+            <a:avLst/>
+          </a:prstGeom>
+          <a:noFill/>
+        </p:spPr>
+        <p:txBody>
+          <a:bodyPr wrap="square" lIns="91440" tIns="45720" rIns="91440" bIns="45720">
+            <a:spAutoFit/>
+          </a:bodyPr>
+          <a:lstStyle/>
+          <a:p>
+            <a:pPr algn="ctr"/>
+            <a:r>
+              <a:rPr lang="fr-FR" sz="4000" dirty="0">
+                <a:ln w="0"/>
+                <a:effectLst>
+                  <a:outerShdw blurRad="38100" dist="19050" dir="2700000" algn="tl" rotWithShape="0">
+                    <a:schemeClr val="dk1">
+                      <a:alpha val="40000"/>
+                    </a:schemeClr>
+                  </a:outerShdw>
+                </a:effectLst>
+              </a:rPr>
+              <a:t>À REFAIRE</a:t>
+            </a:r>
+            <a:r>
+              <a:rPr lang="fr-FR" sz="4000" b="0" cap="none" spc="0" dirty="0">
+                <a:ln w="0"/>
+                <a:solidFill>
+                  <a:schemeClr val="tx1"/>
+                </a:solidFill>
+                <a:effectLst>
+                  <a:outerShdw blurRad="38100" dist="19050" dir="2700000" algn="tl" rotWithShape="0">
+                    <a:schemeClr val="dk1">
+                      <a:alpha val="40000"/>
+                    </a:schemeClr>
+                  </a:outerShdw>
+                </a:effectLst>
+              </a:rPr>
+              <a:t> </a:t>
+            </a:r>
           </a:p>
         </p:txBody>
       </p:sp>
@@ -7978,7 +8496,7 @@
         <p:spPr>
           <a:xfrm>
             <a:off x="824753" y="1326469"/>
-            <a:ext cx="4661648" cy="923330"/>
+            <a:ext cx="4661648" cy="1200329"/>
           </a:xfrm>
           <a:prstGeom prst="rect">
             <a:avLst/>
@@ -7997,6 +8515,9 @@
             </a:r>
           </a:p>
           <a:p>
+            <a:endParaRPr lang="fr-FR" dirty="0"/>
+          </a:p>
+          <a:p>
             <a:r>
               <a:rPr lang="fr-FR" dirty="0"/>
               <a:t>	On se serait pris à l’avance. </a:t>
@@ -8007,6 +8528,36 @@
           </a:p>
         </p:txBody>
       </p:sp>
+      <p:pic>
+        <p:nvPicPr>
+          <p:cNvPr id="7" name="Image 6">
+            <a:extLst>
+              <a:ext uri="{FF2B5EF4-FFF2-40B4-BE49-F238E27FC236}">
+                <a16:creationId xmlns:a16="http://schemas.microsoft.com/office/drawing/2014/main" id="{4A3E34FB-39E8-184F-9091-1F009A0E6C97}"/>
+              </a:ext>
+            </a:extLst>
+          </p:cNvPr>
+          <p:cNvPicPr>
+            <a:picLocks noChangeAspect="1"/>
+          </p:cNvPicPr>
+          <p:nvPr/>
+        </p:nvPicPr>
+        <p:blipFill>
+          <a:blip r:embed="rId3"/>
+          <a:stretch>
+            <a:fillRect/>
+          </a:stretch>
+        </p:blipFill>
+        <p:spPr>
+          <a:xfrm>
+            <a:off x="3022292" y="2249799"/>
+            <a:ext cx="3624278" cy="3160085"/>
+          </a:xfrm>
+          <a:prstGeom prst="rect">
+            <a:avLst/>
+          </a:prstGeom>
+        </p:spPr>
+      </p:pic>
     </p:spTree>
     <p:extLst>
       <p:ext uri="{BB962C8B-B14F-4D97-AF65-F5344CB8AC3E}">
@@ -8052,7 +8603,7 @@
         <p:spPr>
           <a:xfrm>
             <a:off x="824753" y="1326469"/>
-            <a:ext cx="4661648" cy="369332"/>
+            <a:ext cx="8794032" cy="2585323"/>
           </a:xfrm>
           <a:prstGeom prst="rect">
             <a:avLst/>
@@ -8066,8 +8617,42 @@
           <a:lstStyle/>
           <a:p>
             <a:r>
+              <a:rPr lang="fr-FR" b="1" dirty="0"/>
+              <a:t>Caméra et Galerie</a:t>
+            </a:r>
+            <a:r>
               <a:rPr lang="fr-FR" dirty="0"/>
-              <a:t>-Caméra</a:t>
+              <a:t>: Difficulté a avoir accès à la caméra et à la galerie de 	l’appareil photo.</a:t>
+            </a:r>
+          </a:p>
+          <a:p>
+            <a:r>
+              <a:rPr lang="fr-FR" b="1" dirty="0"/>
+              <a:t>Partage: </a:t>
+            </a:r>
+            <a:r>
+              <a:rPr lang="fr-FR" dirty="0"/>
+              <a:t>Nous avons eu des difficultés dans la constance des tests avec 	l’émulateur et un appareil Android. Le partage de photos n’était pas 	toujours possible. </a:t>
+            </a:r>
+          </a:p>
+          <a:p>
+            <a:r>
+              <a:rPr lang="fr-FR" b="1" dirty="0"/>
+              <a:t>Rotation des photos</a:t>
+            </a:r>
+            <a:r>
+              <a:rPr lang="fr-FR" dirty="0"/>
+              <a:t>: lors de la prise de photo avec un appareil Android, les photos 	sortaient toujours horizontalement </a:t>
+            </a:r>
+          </a:p>
+          <a:p>
+            <a:r>
+              <a:rPr lang="fr-FR" b="1" dirty="0"/>
+              <a:t>Bouton retour: </a:t>
+            </a:r>
+            <a:r>
+              <a:rPr lang="fr-FR" dirty="0"/>
+              <a:t>Puisque notre application traverse différents fragments nous avons 	eu des difficultés à utiliser le bouton de retour d’Android</a:t>
             </a:r>
           </a:p>
         </p:txBody>
@@ -8134,7 +8719,7 @@
         </p:nvSpPr>
         <p:spPr>
           <a:xfrm>
-            <a:off x="0" y="2476471"/>
+            <a:off x="0" y="4021788"/>
             <a:ext cx="4987682" cy="707886"/>
           </a:xfrm>
           <a:prstGeom prst="rect">
@@ -8182,8 +8767,8 @@
         </p:nvSpPr>
         <p:spPr>
           <a:xfrm>
-            <a:off x="824753" y="3309809"/>
-            <a:ext cx="4661648" cy="369332"/>
+            <a:off x="824753" y="4839670"/>
+            <a:ext cx="8794032" cy="1477328"/>
           </a:xfrm>
           <a:prstGeom prst="rect">
             <a:avLst/>
@@ -8197,9 +8782,46 @@
           <a:lstStyle/>
           <a:p>
             <a:r>
+              <a:rPr lang="fr-FR" b="1" dirty="0"/>
+              <a:t>Caméra, Galerie et Partage: </a:t>
+            </a:r>
+            <a:r>
               <a:rPr lang="fr-FR" dirty="0"/>
-              <a:t>-Permission</a:t>
-            </a:r>
+              <a:t>Déplacer le code des permissions dans le </a:t>
+            </a:r>
+            <a:r>
+              <a:rPr lang="fr-FR" dirty="0" err="1"/>
+              <a:t>MainActivity</a:t>
+            </a:r>
+            <a:r>
+              <a:rPr lang="fr-FR" dirty="0"/>
+              <a:t> 	nous a permis de résoudre les problèmes d’accès à la caméra</a:t>
+            </a:r>
+          </a:p>
+          <a:p>
+            <a:r>
+              <a:rPr lang="fr-FR" b="1" dirty="0"/>
+              <a:t>Rotation: </a:t>
+            </a:r>
+            <a:r>
+              <a:rPr lang="fr-FR" dirty="0"/>
+              <a:t>on a ajouté un bouton rotation ce qui laisse une liberté de création à 	l’utilisateur.</a:t>
+            </a:r>
+          </a:p>
+          <a:p>
+            <a:r>
+              <a:rPr lang="fr-FR" b="1" dirty="0"/>
+              <a:t>Bouton retour: </a:t>
+            </a:r>
+            <a:r>
+              <a:rPr lang="fr-FR" dirty="0"/>
+              <a:t>implémentation des </a:t>
+            </a:r>
+            <a:r>
+              <a:rPr lang="fr-CA" dirty="0" err="1"/>
+              <a:t>OnFragmentInteractionListener</a:t>
+            </a:r>
+            <a:endParaRPr lang="fr-FR" dirty="0"/>
           </a:p>
         </p:txBody>
       </p:sp>
@@ -8411,8 +9033,76 @@
         </p:blipFill>
         <p:spPr>
           <a:xfrm>
-            <a:off x="5305830" y="2036614"/>
+            <a:off x="5336827" y="2036614"/>
             <a:ext cx="1715456" cy="3588396"/>
+          </a:xfrm>
+          <a:prstGeom prst="rect">
+            <a:avLst/>
+          </a:prstGeom>
+        </p:spPr>
+      </p:pic>
+      <p:sp>
+        <p:nvSpPr>
+          <p:cNvPr id="10" name="ZoneTexte 9">
+            <a:extLst>
+              <a:ext uri="{FF2B5EF4-FFF2-40B4-BE49-F238E27FC236}">
+                <a16:creationId xmlns:a16="http://schemas.microsoft.com/office/drawing/2014/main" id="{009ABD78-FBB1-864A-BF06-76DFB6DC2552}"/>
+              </a:ext>
+            </a:extLst>
+          </p:cNvPr>
+          <p:cNvSpPr txBox="1"/>
+          <p:nvPr/>
+        </p:nvSpPr>
+        <p:spPr>
+          <a:xfrm>
+            <a:off x="5235331" y="1672020"/>
+            <a:ext cx="2265849" cy="646331"/>
+          </a:xfrm>
+          <a:prstGeom prst="rect">
+            <a:avLst/>
+          </a:prstGeom>
+          <a:noFill/>
+        </p:spPr>
+        <p:txBody>
+          <a:bodyPr wrap="square" rtlCol="0">
+            <a:spAutoFit/>
+          </a:bodyPr>
+          <a:lstStyle/>
+          <a:p>
+            <a:r>
+              <a:rPr lang="fr-FR" dirty="0"/>
+              <a:t>CHOIX DE MODÈLES</a:t>
+            </a:r>
+          </a:p>
+          <a:p>
+            <a:endParaRPr lang="fr-FR" dirty="0"/>
+          </a:p>
+        </p:txBody>
+      </p:sp>
+      <p:pic>
+        <p:nvPicPr>
+          <p:cNvPr id="3" name="Image 2">
+            <a:extLst>
+              <a:ext uri="{FF2B5EF4-FFF2-40B4-BE49-F238E27FC236}">
+                <a16:creationId xmlns:a16="http://schemas.microsoft.com/office/drawing/2014/main" id="{61D56D6D-10EA-064D-8ECF-8277D1ABD239}"/>
+              </a:ext>
+            </a:extLst>
+          </p:cNvPr>
+          <p:cNvPicPr>
+            <a:picLocks noChangeAspect="1"/>
+          </p:cNvPicPr>
+          <p:nvPr/>
+        </p:nvPicPr>
+        <p:blipFill>
+          <a:blip r:embed="rId6"/>
+          <a:stretch>
+            <a:fillRect/>
+          </a:stretch>
+        </p:blipFill>
+        <p:spPr>
+          <a:xfrm>
+            <a:off x="7148250" y="2149896"/>
+            <a:ext cx="1890871" cy="3475114"/>
           </a:xfrm>
           <a:prstGeom prst="rect">
             <a:avLst/>
@@ -8509,10 +9199,10 @@
       </p:sp>
       <p:pic>
         <p:nvPicPr>
-          <p:cNvPr id="3" name="Image 2">
+          <p:cNvPr id="10" name="Image 9">
             <a:extLst>
               <a:ext uri="{FF2B5EF4-FFF2-40B4-BE49-F238E27FC236}">
-                <a16:creationId xmlns:a16="http://schemas.microsoft.com/office/drawing/2014/main" id="{CEF497AF-E8CD-5E44-B6D2-4D0CD62A8F2F}"/>
+                <a16:creationId xmlns:a16="http://schemas.microsoft.com/office/drawing/2014/main" id="{50005BA6-A8C4-F24C-85F2-8B2C49962E2D}"/>
               </a:ext>
             </a:extLst>
           </p:cNvPr>
@@ -8529,8 +9219,8 @@
         </p:blipFill>
         <p:spPr>
           <a:xfrm>
-            <a:off x="962430" y="1894114"/>
-            <a:ext cx="1998330" cy="4180114"/>
+            <a:off x="6553315" y="2347919"/>
+            <a:ext cx="1902004" cy="3490826"/>
           </a:xfrm>
           <a:prstGeom prst="rect">
             <a:avLst/>
@@ -8539,10 +9229,10 @@
       </p:pic>
       <p:pic>
         <p:nvPicPr>
-          <p:cNvPr id="9" name="Image 8">
+          <p:cNvPr id="12" name="Image 11">
             <a:extLst>
               <a:ext uri="{FF2B5EF4-FFF2-40B4-BE49-F238E27FC236}">
-                <a16:creationId xmlns:a16="http://schemas.microsoft.com/office/drawing/2014/main" id="{24601E41-2B4E-5B4B-8031-11FED1329FC8}"/>
+                <a16:creationId xmlns:a16="http://schemas.microsoft.com/office/drawing/2014/main" id="{C7EEC090-308C-F343-9D0D-2112EB04436F}"/>
               </a:ext>
             </a:extLst>
           </p:cNvPr>
@@ -8559,18 +9249,303 @@
         </p:blipFill>
         <p:spPr>
           <a:xfrm>
-            <a:off x="5204663" y="1729619"/>
-            <a:ext cx="2155606" cy="4509103"/>
+            <a:off x="488800" y="2347919"/>
+            <a:ext cx="1657401" cy="3466957"/>
           </a:xfrm>
           <a:prstGeom prst="rect">
             <a:avLst/>
           </a:prstGeom>
         </p:spPr>
       </p:pic>
+      <p:pic>
+        <p:nvPicPr>
+          <p:cNvPr id="6" name="Image 5">
+            <a:extLst>
+              <a:ext uri="{FF2B5EF4-FFF2-40B4-BE49-F238E27FC236}">
+                <a16:creationId xmlns:a16="http://schemas.microsoft.com/office/drawing/2014/main" id="{52F10F37-BDDB-B543-B493-CC6A2C9B3680}"/>
+              </a:ext>
+            </a:extLst>
+          </p:cNvPr>
+          <p:cNvPicPr>
+            <a:picLocks noChangeAspect="1"/>
+          </p:cNvPicPr>
+          <p:nvPr/>
+        </p:nvPicPr>
+        <p:blipFill>
+          <a:blip r:embed="rId5"/>
+          <a:stretch>
+            <a:fillRect/>
+          </a:stretch>
+        </p:blipFill>
+        <p:spPr>
+          <a:xfrm>
+            <a:off x="4460789" y="2324049"/>
+            <a:ext cx="1845150" cy="3460554"/>
+          </a:xfrm>
+          <a:prstGeom prst="rect">
+            <a:avLst/>
+          </a:prstGeom>
+        </p:spPr>
+      </p:pic>
+      <p:pic>
+        <p:nvPicPr>
+          <p:cNvPr id="9" name="Image 8">
+            <a:extLst>
+              <a:ext uri="{FF2B5EF4-FFF2-40B4-BE49-F238E27FC236}">
+                <a16:creationId xmlns:a16="http://schemas.microsoft.com/office/drawing/2014/main" id="{C4B83F84-FE6D-AF48-B2B1-38F165B1A7CE}"/>
+              </a:ext>
+            </a:extLst>
+          </p:cNvPr>
+          <p:cNvPicPr>
+            <a:picLocks noChangeAspect="1"/>
+          </p:cNvPicPr>
+          <p:nvPr/>
+        </p:nvPicPr>
+        <p:blipFill>
+          <a:blip r:embed="rId6"/>
+          <a:stretch>
+            <a:fillRect/>
+          </a:stretch>
+        </p:blipFill>
+        <p:spPr>
+          <a:xfrm>
+            <a:off x="2393577" y="2324050"/>
+            <a:ext cx="1819836" cy="3460554"/>
+          </a:xfrm>
+          <a:prstGeom prst="rect">
+            <a:avLst/>
+          </a:prstGeom>
+        </p:spPr>
+      </p:pic>
+      <p:pic>
+        <p:nvPicPr>
+          <p:cNvPr id="13" name="Image 12">
+            <a:extLst>
+              <a:ext uri="{FF2B5EF4-FFF2-40B4-BE49-F238E27FC236}">
+                <a16:creationId xmlns:a16="http://schemas.microsoft.com/office/drawing/2014/main" id="{2C9F83C7-2137-4B48-A51E-7BB497AD5D4C}"/>
+              </a:ext>
+            </a:extLst>
+          </p:cNvPr>
+          <p:cNvPicPr>
+            <a:picLocks noChangeAspect="1"/>
+          </p:cNvPicPr>
+          <p:nvPr/>
+        </p:nvPicPr>
+        <p:blipFill>
+          <a:blip r:embed="rId7"/>
+          <a:stretch>
+            <a:fillRect/>
+          </a:stretch>
+        </p:blipFill>
+        <p:spPr>
+          <a:xfrm>
+            <a:off x="8702695" y="2347919"/>
+            <a:ext cx="1885341" cy="3490827"/>
+          </a:xfrm>
+          <a:prstGeom prst="rect">
+            <a:avLst/>
+          </a:prstGeom>
+        </p:spPr>
+      </p:pic>
+      <p:sp>
+        <p:nvSpPr>
+          <p:cNvPr id="15" name="ZoneTexte 14">
+            <a:extLst>
+              <a:ext uri="{FF2B5EF4-FFF2-40B4-BE49-F238E27FC236}">
+                <a16:creationId xmlns:a16="http://schemas.microsoft.com/office/drawing/2014/main" id="{0C3AA055-1495-D64A-A435-4D77C472A8E1}"/>
+              </a:ext>
+            </a:extLst>
+          </p:cNvPr>
+          <p:cNvSpPr txBox="1"/>
+          <p:nvPr/>
+        </p:nvSpPr>
+        <p:spPr>
+          <a:xfrm>
+            <a:off x="627529" y="1672021"/>
+            <a:ext cx="1918447" cy="369332"/>
+          </a:xfrm>
+          <a:prstGeom prst="rect">
+            <a:avLst/>
+          </a:prstGeom>
+          <a:noFill/>
+        </p:spPr>
+        <p:txBody>
+          <a:bodyPr wrap="square" rtlCol="0">
+            <a:spAutoFit/>
+          </a:bodyPr>
+          <a:lstStyle/>
+          <a:p>
+            <a:r>
+              <a:rPr lang="fr-FR" dirty="0"/>
+              <a:t>MODELE:</a:t>
+            </a:r>
+          </a:p>
+        </p:txBody>
+      </p:sp>
+      <p:sp>
+        <p:nvSpPr>
+          <p:cNvPr id="16" name="ZoneTexte 15">
+            <a:extLst>
+              <a:ext uri="{FF2B5EF4-FFF2-40B4-BE49-F238E27FC236}">
+                <a16:creationId xmlns:a16="http://schemas.microsoft.com/office/drawing/2014/main" id="{9009BE3C-B488-744F-9FEB-5973FAA65545}"/>
+              </a:ext>
+            </a:extLst>
+          </p:cNvPr>
+          <p:cNvSpPr txBox="1"/>
+          <p:nvPr/>
+        </p:nvSpPr>
+        <p:spPr>
+          <a:xfrm>
+            <a:off x="8607721" y="1978587"/>
+            <a:ext cx="1918447" cy="369332"/>
+          </a:xfrm>
+          <a:prstGeom prst="rect">
+            <a:avLst/>
+          </a:prstGeom>
+          <a:noFill/>
+        </p:spPr>
+        <p:txBody>
+          <a:bodyPr wrap="square" rtlCol="0">
+            <a:spAutoFit/>
+          </a:bodyPr>
+          <a:lstStyle/>
+          <a:p>
+            <a:r>
+              <a:rPr lang="fr-FR" dirty="0"/>
+              <a:t>Patrick </a:t>
+            </a:r>
+            <a:r>
+              <a:rPr lang="fr-FR" dirty="0" err="1"/>
+              <a:t>Meme</a:t>
+            </a:r>
+            <a:endParaRPr lang="fr-FR" dirty="0"/>
+          </a:p>
+        </p:txBody>
+      </p:sp>
+      <p:sp>
+        <p:nvSpPr>
+          <p:cNvPr id="17" name="ZoneTexte 16">
+            <a:extLst>
+              <a:ext uri="{FF2B5EF4-FFF2-40B4-BE49-F238E27FC236}">
+                <a16:creationId xmlns:a16="http://schemas.microsoft.com/office/drawing/2014/main" id="{E7DFC095-45E2-F940-9120-C6DB1EFE6D97}"/>
+              </a:ext>
+            </a:extLst>
+          </p:cNvPr>
+          <p:cNvSpPr txBox="1"/>
+          <p:nvPr/>
+        </p:nvSpPr>
+        <p:spPr>
+          <a:xfrm>
+            <a:off x="4414274" y="1978587"/>
+            <a:ext cx="1918447" cy="369332"/>
+          </a:xfrm>
+          <a:prstGeom prst="rect">
+            <a:avLst/>
+          </a:prstGeom>
+          <a:noFill/>
+        </p:spPr>
+        <p:txBody>
+          <a:bodyPr wrap="square" rtlCol="0">
+            <a:spAutoFit/>
+          </a:bodyPr>
+          <a:lstStyle/>
+          <a:p>
+            <a:r>
+              <a:rPr lang="fr-FR" dirty="0"/>
+              <a:t>Drake </a:t>
+            </a:r>
+            <a:r>
+              <a:rPr lang="fr-FR" dirty="0" err="1"/>
+              <a:t>Meme</a:t>
+            </a:r>
+            <a:endParaRPr lang="fr-FR" dirty="0"/>
+          </a:p>
+        </p:txBody>
+      </p:sp>
+      <p:sp>
+        <p:nvSpPr>
+          <p:cNvPr id="18" name="ZoneTexte 17">
+            <a:extLst>
+              <a:ext uri="{FF2B5EF4-FFF2-40B4-BE49-F238E27FC236}">
+                <a16:creationId xmlns:a16="http://schemas.microsoft.com/office/drawing/2014/main" id="{48CC721B-3549-6141-95A4-087EA66FFE05}"/>
+              </a:ext>
+            </a:extLst>
+          </p:cNvPr>
+          <p:cNvSpPr txBox="1"/>
+          <p:nvPr/>
+        </p:nvSpPr>
+        <p:spPr>
+          <a:xfrm>
+            <a:off x="6510997" y="1954717"/>
+            <a:ext cx="1918447" cy="369332"/>
+          </a:xfrm>
+          <a:prstGeom prst="rect">
+            <a:avLst/>
+          </a:prstGeom>
+          <a:noFill/>
+        </p:spPr>
+        <p:txBody>
+          <a:bodyPr wrap="square" rtlCol="0">
+            <a:spAutoFit/>
+          </a:bodyPr>
+          <a:lstStyle/>
+          <a:p>
+            <a:r>
+              <a:rPr lang="fr-FR" dirty="0"/>
+              <a:t>Twitter </a:t>
+            </a:r>
+            <a:r>
+              <a:rPr lang="fr-FR" dirty="0" err="1"/>
+              <a:t>Meme</a:t>
+            </a:r>
+            <a:endParaRPr lang="fr-FR" dirty="0"/>
+          </a:p>
+        </p:txBody>
+      </p:sp>
+      <p:sp>
+        <p:nvSpPr>
+          <p:cNvPr id="19" name="ZoneTexte 18">
+            <a:extLst>
+              <a:ext uri="{FF2B5EF4-FFF2-40B4-BE49-F238E27FC236}">
+                <a16:creationId xmlns:a16="http://schemas.microsoft.com/office/drawing/2014/main" id="{7F30D2E8-924B-B04C-B3A9-68338E229766}"/>
+              </a:ext>
+            </a:extLst>
+          </p:cNvPr>
+          <p:cNvSpPr txBox="1"/>
+          <p:nvPr/>
+        </p:nvSpPr>
+        <p:spPr>
+          <a:xfrm>
+            <a:off x="2363158" y="1978587"/>
+            <a:ext cx="1918447" cy="369332"/>
+          </a:xfrm>
+          <a:prstGeom prst="rect">
+            <a:avLst/>
+          </a:prstGeom>
+          <a:noFill/>
+        </p:spPr>
+        <p:txBody>
+          <a:bodyPr wrap="square" rtlCol="0">
+            <a:spAutoFit/>
+          </a:bodyPr>
+          <a:lstStyle/>
+          <a:p>
+            <a:r>
+              <a:rPr lang="fr-FR" dirty="0"/>
+              <a:t>Brain </a:t>
+            </a:r>
+            <a:r>
+              <a:rPr lang="fr-FR" dirty="0" err="1"/>
+              <a:t>Meme</a:t>
+            </a:r>
+            <a:endParaRPr lang="fr-FR" dirty="0"/>
+          </a:p>
+        </p:txBody>
+      </p:sp>
     </p:spTree>
     <p:extLst>
       <p:ext uri="{BB962C8B-B14F-4D97-AF65-F5344CB8AC3E}">
-        <p14:creationId xmlns:p14="http://schemas.microsoft.com/office/powerpoint/2010/main" val="1856325119"/>
+        <p14:creationId xmlns:p14="http://schemas.microsoft.com/office/powerpoint/2010/main" val="3938612312"/>
       </p:ext>
     </p:extLst>
   </p:cSld>
@@ -8657,6 +9632,384 @@
       </p:sp>
       <p:pic>
         <p:nvPicPr>
+          <p:cNvPr id="3" name="Image 2">
+            <a:extLst>
+              <a:ext uri="{FF2B5EF4-FFF2-40B4-BE49-F238E27FC236}">
+                <a16:creationId xmlns:a16="http://schemas.microsoft.com/office/drawing/2014/main" id="{CEF497AF-E8CD-5E44-B6D2-4D0CD62A8F2F}"/>
+              </a:ext>
+            </a:extLst>
+          </p:cNvPr>
+          <p:cNvPicPr>
+            <a:picLocks noChangeAspect="1"/>
+          </p:cNvPicPr>
+          <p:nvPr/>
+        </p:nvPicPr>
+        <p:blipFill>
+          <a:blip r:embed="rId3"/>
+          <a:stretch>
+            <a:fillRect/>
+          </a:stretch>
+        </p:blipFill>
+        <p:spPr>
+          <a:xfrm>
+            <a:off x="631197" y="2443483"/>
+            <a:ext cx="1658597" cy="3469460"/>
+          </a:xfrm>
+          <a:prstGeom prst="rect">
+            <a:avLst/>
+          </a:prstGeom>
+        </p:spPr>
+      </p:pic>
+      <p:pic>
+        <p:nvPicPr>
+          <p:cNvPr id="5" name="Image 4">
+            <a:extLst>
+              <a:ext uri="{FF2B5EF4-FFF2-40B4-BE49-F238E27FC236}">
+                <a16:creationId xmlns:a16="http://schemas.microsoft.com/office/drawing/2014/main" id="{601B79BE-874A-FC4A-A159-AB35ABFA465D}"/>
+              </a:ext>
+            </a:extLst>
+          </p:cNvPr>
+          <p:cNvPicPr>
+            <a:picLocks noChangeAspect="1"/>
+          </p:cNvPicPr>
+          <p:nvPr/>
+        </p:nvPicPr>
+        <p:blipFill>
+          <a:blip r:embed="rId4"/>
+          <a:stretch>
+            <a:fillRect/>
+          </a:stretch>
+        </p:blipFill>
+        <p:spPr>
+          <a:xfrm>
+            <a:off x="4569331" y="2506598"/>
+            <a:ext cx="1872409" cy="3406344"/>
+          </a:xfrm>
+          <a:prstGeom prst="rect">
+            <a:avLst/>
+          </a:prstGeom>
+        </p:spPr>
+      </p:pic>
+      <p:pic>
+        <p:nvPicPr>
+          <p:cNvPr id="7" name="Image 6">
+            <a:extLst>
+              <a:ext uri="{FF2B5EF4-FFF2-40B4-BE49-F238E27FC236}">
+                <a16:creationId xmlns:a16="http://schemas.microsoft.com/office/drawing/2014/main" id="{C48DAD0A-B928-3740-B9EC-D29DD4A2F4D5}"/>
+              </a:ext>
+            </a:extLst>
+          </p:cNvPr>
+          <p:cNvPicPr>
+            <a:picLocks noChangeAspect="1"/>
+          </p:cNvPicPr>
+          <p:nvPr/>
+        </p:nvPicPr>
+        <p:blipFill>
+          <a:blip r:embed="rId5"/>
+          <a:stretch>
+            <a:fillRect/>
+          </a:stretch>
+        </p:blipFill>
+        <p:spPr>
+          <a:xfrm>
+            <a:off x="2711992" y="2498456"/>
+            <a:ext cx="1757037" cy="3414486"/>
+          </a:xfrm>
+          <a:prstGeom prst="rect">
+            <a:avLst/>
+          </a:prstGeom>
+        </p:spPr>
+      </p:pic>
+      <p:sp>
+        <p:nvSpPr>
+          <p:cNvPr id="13" name="ZoneTexte 12">
+            <a:extLst>
+              <a:ext uri="{FF2B5EF4-FFF2-40B4-BE49-F238E27FC236}">
+                <a16:creationId xmlns:a16="http://schemas.microsoft.com/office/drawing/2014/main" id="{5A07ACC5-BF37-694F-B1DD-92DD2350A003}"/>
+              </a:ext>
+            </a:extLst>
+          </p:cNvPr>
+          <p:cNvSpPr txBox="1"/>
+          <p:nvPr/>
+        </p:nvSpPr>
+        <p:spPr>
+          <a:xfrm>
+            <a:off x="627529" y="1609846"/>
+            <a:ext cx="3306983" cy="369332"/>
+          </a:xfrm>
+          <a:prstGeom prst="rect">
+            <a:avLst/>
+          </a:prstGeom>
+          <a:noFill/>
+        </p:spPr>
+        <p:txBody>
+          <a:bodyPr wrap="square" rtlCol="0">
+            <a:spAutoFit/>
+          </a:bodyPr>
+          <a:lstStyle/>
+          <a:p>
+            <a:r>
+              <a:rPr lang="fr-FR" dirty="0"/>
+              <a:t>BOUTONS DU TWITTER MEME</a:t>
+            </a:r>
+          </a:p>
+        </p:txBody>
+      </p:sp>
+      <p:pic>
+        <p:nvPicPr>
+          <p:cNvPr id="15" name="Image 14">
+            <a:extLst>
+              <a:ext uri="{FF2B5EF4-FFF2-40B4-BE49-F238E27FC236}">
+                <a16:creationId xmlns:a16="http://schemas.microsoft.com/office/drawing/2014/main" id="{A4B14C52-9BD0-644A-B86C-5A98C4C7944A}"/>
+              </a:ext>
+            </a:extLst>
+          </p:cNvPr>
+          <p:cNvPicPr>
+            <a:picLocks noChangeAspect="1"/>
+          </p:cNvPicPr>
+          <p:nvPr/>
+        </p:nvPicPr>
+        <p:blipFill>
+          <a:blip r:embed="rId6"/>
+          <a:stretch>
+            <a:fillRect/>
+          </a:stretch>
+        </p:blipFill>
+        <p:spPr>
+          <a:xfrm>
+            <a:off x="8730032" y="2491682"/>
+            <a:ext cx="1937968" cy="3421260"/>
+          </a:xfrm>
+          <a:prstGeom prst="rect">
+            <a:avLst/>
+          </a:prstGeom>
+        </p:spPr>
+      </p:pic>
+      <p:pic>
+        <p:nvPicPr>
+          <p:cNvPr id="17" name="Image 16">
+            <a:extLst>
+              <a:ext uri="{FF2B5EF4-FFF2-40B4-BE49-F238E27FC236}">
+                <a16:creationId xmlns:a16="http://schemas.microsoft.com/office/drawing/2014/main" id="{FFDA0D0D-F991-8C42-B60F-4A5514810980}"/>
+              </a:ext>
+            </a:extLst>
+          </p:cNvPr>
+          <p:cNvPicPr>
+            <a:picLocks noChangeAspect="1"/>
+          </p:cNvPicPr>
+          <p:nvPr/>
+        </p:nvPicPr>
+        <p:blipFill>
+          <a:blip r:embed="rId7"/>
+          <a:stretch>
+            <a:fillRect/>
+          </a:stretch>
+        </p:blipFill>
+        <p:spPr>
+          <a:xfrm>
+            <a:off x="6883710" y="2524310"/>
+            <a:ext cx="1846322" cy="3388632"/>
+          </a:xfrm>
+          <a:prstGeom prst="rect">
+            <a:avLst/>
+          </a:prstGeom>
+        </p:spPr>
+      </p:pic>
+      <p:sp>
+        <p:nvSpPr>
+          <p:cNvPr id="18" name="ZoneTexte 17">
+            <a:extLst>
+              <a:ext uri="{FF2B5EF4-FFF2-40B4-BE49-F238E27FC236}">
+                <a16:creationId xmlns:a16="http://schemas.microsoft.com/office/drawing/2014/main" id="{E9DB7DE7-60CA-634A-B7F6-D4D42CC07B2E}"/>
+              </a:ext>
+            </a:extLst>
+          </p:cNvPr>
+          <p:cNvSpPr txBox="1"/>
+          <p:nvPr/>
+        </p:nvSpPr>
+        <p:spPr>
+          <a:xfrm>
+            <a:off x="6857009" y="2127873"/>
+            <a:ext cx="2376638" cy="369332"/>
+          </a:xfrm>
+          <a:prstGeom prst="rect">
+            <a:avLst/>
+          </a:prstGeom>
+          <a:noFill/>
+        </p:spPr>
+        <p:txBody>
+          <a:bodyPr wrap="square" rtlCol="0">
+            <a:spAutoFit/>
+          </a:bodyPr>
+          <a:lstStyle/>
+          <a:p>
+            <a:r>
+              <a:rPr lang="fr-FR" dirty="0"/>
+              <a:t>Rotation exemple</a:t>
+            </a:r>
+          </a:p>
+        </p:txBody>
+      </p:sp>
+      <p:sp>
+        <p:nvSpPr>
+          <p:cNvPr id="19" name="ZoneTexte 18">
+            <a:extLst>
+              <a:ext uri="{FF2B5EF4-FFF2-40B4-BE49-F238E27FC236}">
+                <a16:creationId xmlns:a16="http://schemas.microsoft.com/office/drawing/2014/main" id="{1F5D8EFA-A512-834B-81C8-EBADFBE1F180}"/>
+              </a:ext>
+            </a:extLst>
+          </p:cNvPr>
+          <p:cNvSpPr txBox="1"/>
+          <p:nvPr/>
+        </p:nvSpPr>
+        <p:spPr>
+          <a:xfrm>
+            <a:off x="4569331" y="2127873"/>
+            <a:ext cx="1024577" cy="370581"/>
+          </a:xfrm>
+          <a:prstGeom prst="rect">
+            <a:avLst/>
+          </a:prstGeom>
+          <a:noFill/>
+        </p:spPr>
+        <p:txBody>
+          <a:bodyPr wrap="square" rtlCol="0">
+            <a:spAutoFit/>
+          </a:bodyPr>
+          <a:lstStyle/>
+          <a:p>
+            <a:r>
+              <a:rPr lang="fr-FR" dirty="0"/>
+              <a:t>Galerie</a:t>
+            </a:r>
+          </a:p>
+        </p:txBody>
+      </p:sp>
+      <p:sp>
+        <p:nvSpPr>
+          <p:cNvPr id="20" name="ZoneTexte 19">
+            <a:extLst>
+              <a:ext uri="{FF2B5EF4-FFF2-40B4-BE49-F238E27FC236}">
+                <a16:creationId xmlns:a16="http://schemas.microsoft.com/office/drawing/2014/main" id="{F3E4D4A4-B928-7E45-AF8C-4C973C926911}"/>
+              </a:ext>
+            </a:extLst>
+          </p:cNvPr>
+          <p:cNvSpPr txBox="1"/>
+          <p:nvPr/>
+        </p:nvSpPr>
+        <p:spPr>
+          <a:xfrm>
+            <a:off x="2909935" y="2136017"/>
+            <a:ext cx="1024577" cy="370581"/>
+          </a:xfrm>
+          <a:prstGeom prst="rect">
+            <a:avLst/>
+          </a:prstGeom>
+          <a:noFill/>
+        </p:spPr>
+        <p:txBody>
+          <a:bodyPr wrap="square" rtlCol="0">
+            <a:spAutoFit/>
+          </a:bodyPr>
+          <a:lstStyle/>
+          <a:p>
+            <a:r>
+              <a:rPr lang="fr-FR" dirty="0"/>
+              <a:t>Camera</a:t>
+            </a:r>
+          </a:p>
+        </p:txBody>
+      </p:sp>
+    </p:spTree>
+    <p:extLst>
+      <p:ext uri="{BB962C8B-B14F-4D97-AF65-F5344CB8AC3E}">
+        <p14:creationId xmlns:p14="http://schemas.microsoft.com/office/powerpoint/2010/main" val="1856325119"/>
+      </p:ext>
+    </p:extLst>
+  </p:cSld>
+  <p:clrMapOvr>
+    <a:masterClrMapping/>
+  </p:clrMapOvr>
+</p:sld>
+</file>
+
+<file path=ppt/slides/slide6.xml><?xml version="1.0" encoding="utf-8"?>
+<p:sld xmlns:a="http://schemas.openxmlformats.org/drawingml/2006/main" xmlns:r="http://schemas.openxmlformats.org/officeDocument/2006/relationships" xmlns:p="http://schemas.openxmlformats.org/presentationml/2006/main">
+  <p:cSld>
+    <p:spTree>
+      <p:nvGrpSpPr>
+        <p:cNvPr id="1" name=""/>
+        <p:cNvGrpSpPr/>
+        <p:nvPr/>
+      </p:nvGrpSpPr>
+      <p:grpSpPr>
+        <a:xfrm>
+          <a:off x="0" y="0"/>
+          <a:ext cx="0" cy="0"/>
+          <a:chOff x="0" y="0"/>
+          <a:chExt cx="0" cy="0"/>
+        </a:xfrm>
+      </p:grpSpPr>
+      <p:sp>
+        <p:nvSpPr>
+          <p:cNvPr id="4" name="Rectangle 3">
+            <a:extLst>
+              <a:ext uri="{FF2B5EF4-FFF2-40B4-BE49-F238E27FC236}">
+                <a16:creationId xmlns:a16="http://schemas.microsoft.com/office/drawing/2014/main" id="{7894CDBC-7108-2548-8923-88AE04DF3732}"/>
+              </a:ext>
+            </a:extLst>
+          </p:cNvPr>
+          <p:cNvSpPr/>
+          <p:nvPr/>
+        </p:nvSpPr>
+        <p:spPr>
+          <a:xfrm>
+            <a:off x="627529" y="726160"/>
+            <a:ext cx="7010400" cy="707886"/>
+          </a:xfrm>
+          <a:prstGeom prst="rect">
+            <a:avLst/>
+          </a:prstGeom>
+          <a:noFill/>
+        </p:spPr>
+        <p:txBody>
+          <a:bodyPr wrap="square" lIns="91440" tIns="45720" rIns="91440" bIns="45720">
+            <a:spAutoFit/>
+          </a:bodyPr>
+          <a:lstStyle/>
+          <a:p>
+            <a:pPr algn="ctr"/>
+            <a:r>
+              <a:rPr lang="fr-FR" sz="4000" dirty="0">
+                <a:ln w="0"/>
+                <a:effectLst>
+                  <a:outerShdw blurRad="38100" dist="19050" dir="2700000" algn="tl" rotWithShape="0">
+                    <a:schemeClr val="dk1">
+                      <a:alpha val="40000"/>
+                    </a:schemeClr>
+                  </a:outerShdw>
+                </a:effectLst>
+              </a:rPr>
+              <a:t>ÉCRANS ET FONCTIONNALITÉS</a:t>
+            </a:r>
+            <a:endParaRPr lang="fr-FR" sz="4000" b="0" cap="none" spc="0" dirty="0">
+              <a:ln w="0"/>
+              <a:solidFill>
+                <a:schemeClr val="tx1"/>
+              </a:solidFill>
+              <a:effectLst>
+                <a:outerShdw blurRad="38100" dist="19050" dir="2700000" algn="tl" rotWithShape="0">
+                  <a:schemeClr val="dk1">
+                    <a:alpha val="40000"/>
+                  </a:schemeClr>
+                </a:outerShdw>
+              </a:effectLst>
+            </a:endParaRPr>
+          </a:p>
+        </p:txBody>
+      </p:sp>
+      <p:pic>
+        <p:nvPicPr>
           <p:cNvPr id="5" name="Image 4">
             <a:extLst>
               <a:ext uri="{FF2B5EF4-FFF2-40B4-BE49-F238E27FC236}">
@@ -8677,7 +10030,7 @@
         </p:blipFill>
         <p:spPr>
           <a:xfrm>
-            <a:off x="627529" y="1796143"/>
+            <a:off x="627529" y="1989601"/>
             <a:ext cx="2045167" cy="4278086"/>
           </a:xfrm>
           <a:prstGeom prst="rect">
@@ -8707,7 +10060,7 @@
         </p:blipFill>
         <p:spPr>
           <a:xfrm>
-            <a:off x="4931174" y="1763486"/>
+            <a:off x="2672696" y="1973272"/>
             <a:ext cx="2060779" cy="4310743"/>
           </a:xfrm>
           <a:prstGeom prst="rect">
@@ -8715,52 +10068,52 @@
           </a:prstGeom>
         </p:spPr>
       </p:pic>
-    </p:spTree>
-    <p:extLst>
-      <p:ext uri="{BB962C8B-B14F-4D97-AF65-F5344CB8AC3E}">
-        <p14:creationId xmlns:p14="http://schemas.microsoft.com/office/powerpoint/2010/main" val="824171441"/>
-      </p:ext>
-    </p:extLst>
-  </p:cSld>
-  <p:clrMapOvr>
-    <a:masterClrMapping/>
-  </p:clrMapOvr>
-</p:sld>
-</file>
-
-<file path=ppt/slides/slide6.xml><?xml version="1.0" encoding="utf-8"?>
-<p:sld xmlns:a="http://schemas.openxmlformats.org/drawingml/2006/main" xmlns:r="http://schemas.openxmlformats.org/officeDocument/2006/relationships" xmlns:p="http://schemas.openxmlformats.org/presentationml/2006/main">
-  <p:cSld>
-    <p:spTree>
-      <p:nvGrpSpPr>
-        <p:cNvPr id="1" name=""/>
-        <p:cNvGrpSpPr/>
-        <p:nvPr/>
-      </p:nvGrpSpPr>
-      <p:grpSpPr>
-        <a:xfrm>
-          <a:off x="0" y="0"/>
-          <a:ext cx="0" cy="0"/>
-          <a:chOff x="0" y="0"/>
-          <a:chExt cx="0" cy="0"/>
-        </a:xfrm>
-      </p:grpSpPr>
-      <p:sp>
-        <p:nvSpPr>
-          <p:cNvPr id="4" name="Rectangle 3">
+      <p:pic>
+        <p:nvPicPr>
+          <p:cNvPr id="3" name="Image 2">
             <a:extLst>
               <a:ext uri="{FF2B5EF4-FFF2-40B4-BE49-F238E27FC236}">
-                <a16:creationId xmlns:a16="http://schemas.microsoft.com/office/drawing/2014/main" id="{7894CDBC-7108-2548-8923-88AE04DF3732}"/>
+                <a16:creationId xmlns:a16="http://schemas.microsoft.com/office/drawing/2014/main" id="{AC608D75-0DFC-C14B-8F53-9297681B67AB}"/>
               </a:ext>
             </a:extLst>
           </p:cNvPr>
-          <p:cNvSpPr/>
+          <p:cNvPicPr>
+            <a:picLocks noChangeAspect="1"/>
+          </p:cNvPicPr>
           <p:nvPr/>
-        </p:nvSpPr>
+        </p:nvPicPr>
+        <p:blipFill>
+          <a:blip r:embed="rId5"/>
+          <a:stretch>
+            <a:fillRect/>
+          </a:stretch>
+        </p:blipFill>
         <p:spPr>
           <a:xfrm>
-            <a:off x="627529" y="726160"/>
-            <a:ext cx="7010400" cy="707886"/>
+            <a:off x="5643675" y="1989601"/>
+            <a:ext cx="2269933" cy="4163005"/>
+          </a:xfrm>
+          <a:prstGeom prst="rect">
+            <a:avLst/>
+          </a:prstGeom>
+        </p:spPr>
+      </p:pic>
+      <p:sp>
+        <p:nvSpPr>
+          <p:cNvPr id="8" name="ZoneTexte 7">
+            <a:extLst>
+              <a:ext uri="{FF2B5EF4-FFF2-40B4-BE49-F238E27FC236}">
+                <a16:creationId xmlns:a16="http://schemas.microsoft.com/office/drawing/2014/main" id="{9BF7BC20-23D3-104F-A36A-6564E1DA5AF4}"/>
+              </a:ext>
+            </a:extLst>
+          </p:cNvPr>
+          <p:cNvSpPr txBox="1"/>
+          <p:nvPr/>
+        </p:nvSpPr>
+        <p:spPr>
+          <a:xfrm>
+            <a:off x="841650" y="1450375"/>
+            <a:ext cx="1024577" cy="370581"/>
           </a:xfrm>
           <a:prstGeom prst="rect">
             <a:avLst/>
@@ -8768,64 +10121,6 @@
           <a:noFill/>
         </p:spPr>
         <p:txBody>
-          <a:bodyPr wrap="square" lIns="91440" tIns="45720" rIns="91440" bIns="45720">
-            <a:spAutoFit/>
-          </a:bodyPr>
-          <a:lstStyle/>
-          <a:p>
-            <a:pPr algn="ctr"/>
-            <a:r>
-              <a:rPr lang="fr-FR" sz="4000" dirty="0">
-                <a:ln w="0"/>
-                <a:effectLst>
-                  <a:outerShdw blurRad="38100" dist="19050" dir="2700000" algn="tl" rotWithShape="0">
-                    <a:schemeClr val="dk1">
-                      <a:alpha val="40000"/>
-                    </a:schemeClr>
-                  </a:outerShdw>
-                </a:effectLst>
-              </a:rPr>
-              <a:t>ÉCRANS ET FONCTIONNALITÉS</a:t>
-            </a:r>
-            <a:endParaRPr lang="fr-FR" sz="4000" b="0" cap="none" spc="0" dirty="0">
-              <a:ln w="0"/>
-              <a:solidFill>
-                <a:schemeClr val="tx1"/>
-              </a:solidFill>
-              <a:effectLst>
-                <a:outerShdw blurRad="38100" dist="19050" dir="2700000" algn="tl" rotWithShape="0">
-                  <a:schemeClr val="dk1">
-                    <a:alpha val="40000"/>
-                  </a:schemeClr>
-                </a:outerShdw>
-              </a:effectLst>
-            </a:endParaRPr>
-          </a:p>
-        </p:txBody>
-      </p:sp>
-      <p:sp>
-        <p:nvSpPr>
-          <p:cNvPr id="6" name="ZoneTexte 5">
-            <a:extLst>
-              <a:ext uri="{FF2B5EF4-FFF2-40B4-BE49-F238E27FC236}">
-                <a16:creationId xmlns:a16="http://schemas.microsoft.com/office/drawing/2014/main" id="{F9DDE37C-5655-9144-9160-1BBACBFA97BB}"/>
-              </a:ext>
-            </a:extLst>
-          </p:cNvPr>
-          <p:cNvSpPr txBox="1"/>
-          <p:nvPr/>
-        </p:nvSpPr>
-        <p:spPr>
-          <a:xfrm>
-            <a:off x="806820" y="2760823"/>
-            <a:ext cx="5665697" cy="369332"/>
-          </a:xfrm>
-          <a:prstGeom prst="rect">
-            <a:avLst/>
-          </a:prstGeom>
-          <a:noFill/>
-        </p:spPr>
-        <p:txBody>
           <a:bodyPr wrap="square" rtlCol="0">
             <a:spAutoFit/>
           </a:bodyPr>
@@ -8833,16 +10128,15 @@
           <a:p>
             <a:r>
               <a:rPr lang="fr-FR" dirty="0"/>
-              <a:t>Vidéo de l’utilisation</a:t>
-            </a:r>
-            <a:endParaRPr lang="fr-FR" u="sng" dirty="0"/>
+              <a:t>APERCU</a:t>
+            </a:r>
           </a:p>
         </p:txBody>
       </p:sp>
     </p:spTree>
     <p:extLst>
       <p:ext uri="{BB962C8B-B14F-4D97-AF65-F5344CB8AC3E}">
-        <p14:creationId xmlns:p14="http://schemas.microsoft.com/office/powerpoint/2010/main" val="87924787"/>
+        <p14:creationId xmlns:p14="http://schemas.microsoft.com/office/powerpoint/2010/main" val="824171441"/>
       </p:ext>
     </p:extLst>
   </p:cSld>
@@ -8883,8 +10177,8 @@
         </p:nvSpPr>
         <p:spPr>
           <a:xfrm>
-            <a:off x="215151" y="618584"/>
-            <a:ext cx="5271247" cy="707886"/>
+            <a:off x="627529" y="726160"/>
+            <a:ext cx="7010400" cy="707886"/>
           </a:xfrm>
           <a:prstGeom prst="rect">
             <a:avLst/>
@@ -8909,7 +10203,7 @@
                   </a:outerShdw>
                 </a:effectLst>
               </a:rPr>
-              <a:t>ÉLÉMENTS EXTRA</a:t>
+              <a:t>ÉCRANS ET FONCTIONNALITÉS</a:t>
             </a:r>
             <a:endParaRPr lang="fr-FR" sz="4000" b="0" cap="none" spc="0" dirty="0">
               <a:ln w="0"/>
@@ -8929,10 +10223,10 @@
       </p:sp>
       <p:sp>
         <p:nvSpPr>
-          <p:cNvPr id="3" name="ZoneTexte 2">
+          <p:cNvPr id="6" name="ZoneTexte 5">
             <a:extLst>
               <a:ext uri="{FF2B5EF4-FFF2-40B4-BE49-F238E27FC236}">
-                <a16:creationId xmlns:a16="http://schemas.microsoft.com/office/drawing/2014/main" id="{03466869-73CA-374C-961A-96601A63B5BA}"/>
+                <a16:creationId xmlns:a16="http://schemas.microsoft.com/office/drawing/2014/main" id="{F9DDE37C-5655-9144-9160-1BBACBFA97BB}"/>
               </a:ext>
             </a:extLst>
           </p:cNvPr>
@@ -8957,23 +10251,16 @@
           <a:p>
             <a:r>
               <a:rPr lang="fr-FR" dirty="0"/>
-              <a:t>PARTAGE DE PHOTO SUR </a:t>
-            </a:r>
-            <a:r>
-              <a:rPr lang="fr-FR" b="1" u="sng" dirty="0"/>
-              <a:t>TOUS</a:t>
-            </a:r>
-            <a:r>
-              <a:rPr lang="fr-FR" u="sng" dirty="0"/>
-              <a:t> LES RÉSEAUX SOCIAUX</a:t>
-            </a:r>
+              <a:t>Vidéo de l’utilisation</a:t>
+            </a:r>
+            <a:endParaRPr lang="fr-FR" u="sng" dirty="0"/>
           </a:p>
         </p:txBody>
       </p:sp>
     </p:spTree>
     <p:extLst>
       <p:ext uri="{BB962C8B-B14F-4D97-AF65-F5344CB8AC3E}">
-        <p14:creationId xmlns:p14="http://schemas.microsoft.com/office/powerpoint/2010/main" val="1152899420"/>
+        <p14:creationId xmlns:p14="http://schemas.microsoft.com/office/powerpoint/2010/main" val="87924787"/>
       </p:ext>
     </p:extLst>
   </p:cSld>
@@ -9002,10 +10289,10 @@
       </p:grpSpPr>
       <p:sp>
         <p:nvSpPr>
-          <p:cNvPr id="2" name="Rectangle 1">
+          <p:cNvPr id="4" name="Rectangle 3">
             <a:extLst>
               <a:ext uri="{FF2B5EF4-FFF2-40B4-BE49-F238E27FC236}">
-                <a16:creationId xmlns:a16="http://schemas.microsoft.com/office/drawing/2014/main" id="{523D3903-3F93-9945-BDC3-DDDA91661857}"/>
+                <a16:creationId xmlns:a16="http://schemas.microsoft.com/office/drawing/2014/main" id="{7894CDBC-7108-2548-8923-88AE04DF3732}"/>
               </a:ext>
             </a:extLst>
           </p:cNvPr>
@@ -9014,8 +10301,8 @@
         </p:nvSpPr>
         <p:spPr>
           <a:xfrm>
-            <a:off x="0" y="618583"/>
-            <a:ext cx="4987682" cy="707886"/>
+            <a:off x="215151" y="618584"/>
+            <a:ext cx="5271247" cy="707886"/>
           </a:xfrm>
           <a:prstGeom prst="rect">
             <a:avLst/>
@@ -9030,11 +10317,8 @@
           <a:p>
             <a:pPr algn="ctr"/>
             <a:r>
-              <a:rPr lang="fr-FR" sz="4000" b="0" cap="none" spc="0" dirty="0">
+              <a:rPr lang="fr-FR" sz="4000" dirty="0">
                 <a:ln w="0"/>
-                <a:solidFill>
-                  <a:schemeClr val="tx1"/>
-                </a:solidFill>
                 <a:effectLst>
                   <a:outerShdw blurRad="38100" dist="19050" dir="2700000" algn="tl" rotWithShape="0">
                     <a:schemeClr val="dk1">
@@ -9043,8 +10327,21 @@
                   </a:outerShdw>
                 </a:effectLst>
               </a:rPr>
-              <a:t>UTILISABILITÉ:</a:t>
-            </a:r>
+              <a:t>ÉLÉMENTS EXTRA</a:t>
+            </a:r>
+            <a:endParaRPr lang="fr-FR" sz="4000" b="0" cap="none" spc="0" dirty="0">
+              <a:ln w="0"/>
+              <a:solidFill>
+                <a:schemeClr val="tx1"/>
+              </a:solidFill>
+              <a:effectLst>
+                <a:outerShdw blurRad="38100" dist="19050" dir="2700000" algn="tl" rotWithShape="0">
+                  <a:schemeClr val="dk1">
+                    <a:alpha val="40000"/>
+                  </a:schemeClr>
+                </a:outerShdw>
+              </a:effectLst>
+            </a:endParaRPr>
           </a:p>
         </p:txBody>
       </p:sp>
@@ -9053,7 +10350,7 @@
           <p:cNvPr id="3" name="ZoneTexte 2">
             <a:extLst>
               <a:ext uri="{FF2B5EF4-FFF2-40B4-BE49-F238E27FC236}">
-                <a16:creationId xmlns:a16="http://schemas.microsoft.com/office/drawing/2014/main" id="{A118B3BE-0C26-1D4F-859C-E7C348DE18E8}"/>
+                <a16:creationId xmlns:a16="http://schemas.microsoft.com/office/drawing/2014/main" id="{03466869-73CA-374C-961A-96601A63B5BA}"/>
               </a:ext>
             </a:extLst>
           </p:cNvPr>
@@ -9062,8 +10359,8 @@
         </p:nvSpPr>
         <p:spPr>
           <a:xfrm>
-            <a:off x="824753" y="1326469"/>
-            <a:ext cx="9144000" cy="5632311"/>
+            <a:off x="806819" y="2760823"/>
+            <a:ext cx="8854765" cy="1200329"/>
           </a:xfrm>
           <a:prstGeom prst="rect">
             <a:avLst/>
@@ -9078,143 +10375,35 @@
           <a:p>
             <a:r>
               <a:rPr lang="fr-FR" dirty="0"/>
-              <a:t>DÉCOUVRABILITÉ:</a:t>
-            </a:r>
-          </a:p>
-          <a:p>
-            <a:r>
-              <a:rPr lang="fr-FR" b="1" dirty="0"/>
-              <a:t>Affordances:</a:t>
-            </a:r>
-          </a:p>
-          <a:p>
-            <a:r>
-              <a:rPr lang="fr-FR" b="1" dirty="0"/>
-              <a:t>Signifiants: </a:t>
-            </a:r>
+              <a:t>PARTAGE DE PHOTO SUR </a:t>
+            </a:r>
+            <a:r>
+              <a:rPr lang="fr-FR" b="1" u="sng" dirty="0"/>
+              <a:t>TOUS</a:t>
+            </a:r>
+            <a:r>
+              <a:rPr lang="fr-FR" u="sng" dirty="0"/>
+              <a:t> LES RÉSEAUX SOCIAUX:</a:t>
+            </a:r>
+          </a:p>
+          <a:p>
             <a:r>
               <a:rPr lang="fr-FR" dirty="0"/>
-              <a:t>l’utilisation de boutons identifiés et de messages qui guident l’utilisateur 	vers chacune des étapes pour faire un </a:t>
-            </a:r>
-            <a:r>
-              <a:rPr lang="fr-FR" dirty="0" err="1"/>
-              <a:t>meme</a:t>
-            </a:r>
-            <a:r>
-              <a:rPr lang="fr-FR" dirty="0"/>
-              <a:t>. </a:t>
-            </a:r>
-          </a:p>
-          <a:p>
-            <a:endParaRPr lang="fr-FR" dirty="0"/>
-          </a:p>
-          <a:p>
-            <a:r>
-              <a:rPr lang="fr-FR" b="1" dirty="0" err="1"/>
-              <a:t>Correspondances:</a:t>
-            </a:r>
-            <a:r>
-              <a:rPr lang="fr-FR" dirty="0" err="1"/>
-              <a:t>Chaque</a:t>
-            </a:r>
-            <a:r>
-              <a:rPr lang="fr-FR" dirty="0"/>
-              <a:t> bouton et action ont une fonction spécifique. </a:t>
-            </a:r>
-          </a:p>
-          <a:p>
-            <a:endParaRPr lang="fr-FR" b="1" dirty="0"/>
-          </a:p>
-          <a:p>
-            <a:r>
-              <a:rPr lang="fr-FR" b="1" dirty="0" err="1"/>
-              <a:t>Feedback:</a:t>
-            </a:r>
-            <a:r>
-              <a:rPr lang="fr-FR" dirty="0" err="1"/>
-              <a:t>lorsqu’on</a:t>
-            </a:r>
-            <a:r>
-              <a:rPr lang="fr-FR" dirty="0"/>
-              <a:t> clique sur un choix de modèle, on a un effet sur l’image pour 	montrer la sélection. On a installé aussi une barre de progression qui suit 	l’utilisateur tout au long de l’expérience.</a:t>
-            </a:r>
-          </a:p>
-          <a:p>
-            <a:endParaRPr lang="fr-FR" b="1" dirty="0"/>
-          </a:p>
-          <a:p>
-            <a:r>
-              <a:rPr lang="fr-FR" b="1" dirty="0" err="1"/>
-              <a:t>Contraintes:</a:t>
-            </a:r>
-            <a:r>
-              <a:rPr lang="fr-FR" dirty="0" err="1"/>
-              <a:t>Messages</a:t>
-            </a:r>
-            <a:r>
-              <a:rPr lang="fr-FR" dirty="0"/>
-              <a:t> d’alerte lorsqu’on veut peser sur un bouton continuer sans avoir 	compléter la </a:t>
-            </a:r>
-            <a:r>
-              <a:rPr lang="fr-FR" dirty="0" err="1"/>
-              <a:t>t</a:t>
-            </a:r>
-            <a:r>
-              <a:rPr lang="fr-CA" dirty="0"/>
-              <a:t>ache.</a:t>
-            </a:r>
-            <a:endParaRPr lang="fr-FR" dirty="0"/>
-          </a:p>
-          <a:p>
-            <a:endParaRPr lang="fr-FR" b="1" dirty="0"/>
-          </a:p>
-          <a:p>
-            <a:r>
-              <a:rPr lang="fr-FR" b="1" dirty="0"/>
-              <a:t>Modèles </a:t>
-            </a:r>
-            <a:r>
-              <a:rPr lang="fr-FR" b="1" dirty="0" err="1"/>
-              <a:t>Conceptuels:</a:t>
-            </a:r>
-            <a:r>
-              <a:rPr lang="fr-FR" dirty="0" err="1"/>
-              <a:t>La</a:t>
-            </a:r>
-            <a:r>
-              <a:rPr lang="fr-FR" dirty="0"/>
-              <a:t> page d’accueil avec le nom de l’application et le slogan 	expliquent simplement la fonctionnalité de l’application. On sait quoi faire 	sans avoir des explications spécifiques de l’utilisation de </a:t>
-            </a:r>
-            <a:r>
-              <a:rPr lang="fr-FR" dirty="0" err="1"/>
-              <a:t>l’app</a:t>
-            </a:r>
-            <a:r>
-              <a:rPr lang="fr-FR" dirty="0"/>
-              <a:t> gr</a:t>
-            </a:r>
-            <a:r>
-              <a:rPr lang="fr-CA" dirty="0" err="1"/>
-              <a:t>âce</a:t>
-            </a:r>
-            <a:r>
-              <a:rPr lang="fr-CA" dirty="0"/>
-              <a:t> à son 	design.</a:t>
-            </a:r>
-            <a:endParaRPr lang="fr-FR" dirty="0"/>
-          </a:p>
-          <a:p>
-            <a:endParaRPr lang="fr-FR" b="1" dirty="0"/>
-          </a:p>
-          <a:p>
-            <a:endParaRPr lang="fr-FR" dirty="0"/>
+              <a:t>	Nous avons ajouté l’option de partager la création sur les réseaux sociaux.</a:t>
+            </a:r>
+          </a:p>
+          <a:p>
+            <a:endParaRPr lang="fr-FR" u="sng" dirty="0"/>
+          </a:p>
+          <a:p>
+            <a:endParaRPr lang="fr-FR" u="sng" dirty="0"/>
           </a:p>
         </p:txBody>
       </p:sp>
     </p:spTree>
     <p:extLst>
       <p:ext uri="{BB962C8B-B14F-4D97-AF65-F5344CB8AC3E}">
-        <p14:creationId xmlns:p14="http://schemas.microsoft.com/office/powerpoint/2010/main" val="3349307759"/>
+        <p14:creationId xmlns:p14="http://schemas.microsoft.com/office/powerpoint/2010/main" val="1152899420"/>
       </p:ext>
     </p:extLst>
   </p:cSld>
@@ -9255,7 +10444,7 @@
         </p:nvSpPr>
         <p:spPr>
           <a:xfrm>
-            <a:off x="609600" y="206207"/>
+            <a:off x="0" y="618583"/>
             <a:ext cx="4987682" cy="707886"/>
           </a:xfrm>
           <a:prstGeom prst="rect">
@@ -9284,7 +10473,7 @@
                   </a:outerShdw>
                 </a:effectLst>
               </a:rPr>
-              <a:t>UTILISABILITÉ SUITE:</a:t>
+              <a:t>UTILISABILITÉ:</a:t>
             </a:r>
           </a:p>
         </p:txBody>
@@ -9303,8 +10492,8 @@
         </p:nvSpPr>
         <p:spPr>
           <a:xfrm>
-            <a:off x="609600" y="1093387"/>
-            <a:ext cx="9305365" cy="5632311"/>
+            <a:off x="824753" y="1326469"/>
+            <a:ext cx="9144000" cy="5632311"/>
           </a:xfrm>
           <a:prstGeom prst="rect">
             <a:avLst/>
@@ -9318,12 +10507,24 @@
           <a:lstStyle/>
           <a:p>
             <a:r>
+              <a:rPr lang="fr-FR" dirty="0"/>
+              <a:t>DÉCOUVRABILITÉ:</a:t>
+            </a:r>
+          </a:p>
+          <a:p>
+            <a:r>
               <a:rPr lang="fr-FR" b="1" dirty="0"/>
-              <a:t>Efficacité</a:t>
+              <a:t>Affordances:</a:t>
+            </a:r>
+          </a:p>
+          <a:p>
+            <a:r>
+              <a:rPr lang="fr-FR" b="1" dirty="0"/>
+              <a:t>Signifiants: </a:t>
             </a:r>
             <a:r>
               <a:rPr lang="fr-FR" dirty="0"/>
-              <a:t>: l’application permet aux utilisateurs d’atteindre le résultat prévu qui est de 	créer un </a:t>
+              <a:t>l’utilisation de boutons identifiés et de messages qui guident l’utilisateur 	vers chacune des étapes pour faire un </a:t>
             </a:r>
             <a:r>
               <a:rPr lang="fr-FR" dirty="0" err="1"/>
@@ -9331,106 +10532,119 @@
             </a:r>
             <a:r>
               <a:rPr lang="fr-FR" dirty="0"/>
-              <a:t>.</a:t>
-            </a:r>
+              <a:t>. </a:t>
+            </a:r>
+          </a:p>
+          <a:p>
+            <a:endParaRPr lang="fr-FR" dirty="0"/>
+          </a:p>
+          <a:p>
+            <a:r>
+              <a:rPr lang="fr-FR" b="1" dirty="0" err="1"/>
+              <a:t>Correspondances:</a:t>
+            </a:r>
+            <a:r>
+              <a:rPr lang="fr-FR" dirty="0" err="1"/>
+              <a:t>Chaque</a:t>
+            </a:r>
+            <a:r>
+              <a:rPr lang="fr-FR" dirty="0"/>
+              <a:t> bouton et action ont une fonction spécifique. </a:t>
+            </a:r>
+          </a:p>
+          <a:p>
+            <a:endParaRPr lang="fr-FR" b="1" dirty="0"/>
+          </a:p>
+          <a:p>
+            <a:r>
+              <a:rPr lang="fr-FR" b="1" dirty="0" err="1"/>
+              <a:t>Feedback:L</a:t>
+            </a:r>
+            <a:r>
+              <a:rPr lang="fr-FR" dirty="0" err="1"/>
+              <a:t>orsqu’on</a:t>
+            </a:r>
+            <a:r>
+              <a:rPr lang="fr-FR" dirty="0"/>
+              <a:t> clique sur un choix de modèle, on a un effet sur l’image pour 	montrer la sélection. On a installé aussi une barre de progression qui suit 	l’utilisateur tout au long de l’expérience.</a:t>
+            </a:r>
+          </a:p>
+          <a:p>
+            <a:endParaRPr lang="fr-FR" b="1" dirty="0"/>
+          </a:p>
+          <a:p>
+            <a:r>
+              <a:rPr lang="fr-FR" b="1" dirty="0" err="1"/>
+              <a:t>Contraintes:</a:t>
+            </a:r>
+            <a:r>
+              <a:rPr lang="fr-FR" dirty="0" err="1"/>
+              <a:t>Messages</a:t>
+            </a:r>
+            <a:r>
+              <a:rPr lang="fr-FR" dirty="0"/>
+              <a:t> d’alerte lorsqu’on veut peser sur un bouton continuer sans avoir 	compléter la </a:t>
+            </a:r>
+            <a:r>
+              <a:rPr lang="fr-FR" dirty="0" err="1"/>
+              <a:t>t</a:t>
+            </a:r>
+            <a:r>
+              <a:rPr lang="fr-CA" dirty="0"/>
+              <a:t>ache.</a:t>
+            </a:r>
+            <a:endParaRPr lang="fr-FR" dirty="0"/>
+          </a:p>
+          <a:p>
+            <a:endParaRPr lang="fr-FR" b="1" dirty="0"/>
           </a:p>
           <a:p>
             <a:r>
               <a:rPr lang="fr-FR" b="1" dirty="0"/>
-              <a:t>Efficience:</a:t>
+              <a:t>Modèles </a:t>
+            </a:r>
+            <a:r>
+              <a:rPr lang="fr-FR" b="1" dirty="0" err="1"/>
+              <a:t>Conceptuels:</a:t>
+            </a:r>
+            <a:r>
+              <a:rPr lang="fr-FR" dirty="0" err="1"/>
+              <a:t>La</a:t>
             </a:r>
             <a:r>
               <a:rPr lang="fr-FR" dirty="0"/>
-              <a:t> l’utilisateur peut créer un </a:t>
+              <a:t> page d’accueil avec le nom de l’application et le slogan 	expliquent simplement la fonctionnalité de l’application. On sait quoi faire 	sans avoir des explications spécifiques de l’utilisation de </a:t>
             </a:r>
             <a:r>
               <a:rPr lang="fr-FR" dirty="0" err="1"/>
-              <a:t>meme</a:t>
+              <a:t>l’app</a:t>
             </a:r>
             <a:r>
               <a:rPr lang="fr-FR" dirty="0"/>
-              <a:t> très peu de temps. </a:t>
-            </a:r>
+              <a:t> gr</a:t>
+            </a:r>
+            <a:r>
+              <a:rPr lang="fr-CA" dirty="0" err="1"/>
+              <a:t>âce</a:t>
+            </a:r>
+            <a:r>
+              <a:rPr lang="fr-CA" dirty="0"/>
+              <a:t> à son 	design.</a:t>
+            </a:r>
+            <a:endParaRPr lang="fr-FR" dirty="0"/>
+          </a:p>
+          <a:p>
             <a:endParaRPr lang="fr-FR" b="1" dirty="0"/>
           </a:p>
           <a:p>
-            <a:pPr lvl="0">
-              <a:defRPr/>
-            </a:pPr>
-            <a:r>
-              <a:rPr lang="fr-FR" b="1" dirty="0"/>
-              <a:t>Satisfaction &amp; Simplicité d’apprentissage</a:t>
-            </a:r>
-            <a:r>
-              <a:rPr lang="fr-FR" dirty="0"/>
-              <a:t>: Après avoir tester l’application aux 	membres de notre entourage, nous pouvons confirmer </a:t>
-            </a:r>
-            <a:r>
-              <a:rPr lang="fr-CA" dirty="0"/>
-              <a:t>l’expérience 	d’utilisation se fait de manière fluide grâce au bon design qui guide 	l’utilisateur pour chaque étape du processus.</a:t>
-            </a:r>
             <a:endParaRPr lang="fr-FR" dirty="0"/>
-          </a:p>
-          <a:p>
-            <a:r>
-              <a:rPr lang="fr-FR" b="1" dirty="0"/>
-              <a:t>Mémorabilité:</a:t>
-            </a:r>
-            <a:r>
-              <a:rPr lang="fr-FR" dirty="0"/>
-              <a:t> l’application ne demande pas beaucoup de mémorabilité, elle est assez 	simple et bien guidé.</a:t>
-            </a:r>
-            <a:endParaRPr lang="fr-FR" b="1" dirty="0"/>
-          </a:p>
-          <a:p>
-            <a:r>
-              <a:rPr lang="fr-FR" b="1" dirty="0"/>
-              <a:t>Visibilité (Feedback):</a:t>
-            </a:r>
-            <a:r>
-              <a:rPr lang="fr-FR" dirty="0"/>
-              <a:t> Nous nous sommes arrangés pour créer qui possède un thème de 	couleur orangé. On s’est aussi assuré que chaque </a:t>
-            </a:r>
-            <a:r>
-              <a:rPr lang="fr-FR" dirty="0" err="1"/>
-              <a:t>écritaux</a:t>
-            </a:r>
-            <a:r>
-              <a:rPr lang="fr-FR" dirty="0"/>
-              <a:t> soient lisibles et 	visibles. Par ailleurs, nous avons éviter le plus possible de surcharger nos 	fragments pour garder une bonne visibilité.</a:t>
-            </a:r>
-            <a:endParaRPr lang="fr-FR" b="1" dirty="0"/>
-          </a:p>
-          <a:p>
-            <a:r>
-              <a:rPr lang="fr-FR" b="1" dirty="0"/>
-              <a:t>Erreur:</a:t>
-            </a:r>
-            <a:r>
-              <a:rPr lang="fr-FR" dirty="0"/>
-              <a:t> Pour éviter les erreurs nous avons mis des alertes lorsqu’une action n’est pas 	</a:t>
-            </a:r>
-            <a:r>
-              <a:rPr lang="fr-FR" dirty="0" err="1"/>
-              <a:t>possible.Nous</a:t>
-            </a:r>
-            <a:r>
-              <a:rPr lang="fr-FR" dirty="0"/>
-              <a:t> avons demandé a des gens de notre entourage de tester notre 	application. Ils n’ont pas trouvé d’erreurs en particulier, mais un commentaire 	qui revenait était la vitesse de l’application. En effet se dernier n’est pas 	optimal.</a:t>
-            </a:r>
-          </a:p>
-          <a:p>
-            <a:endParaRPr lang="fr-FR" b="1" dirty="0"/>
-          </a:p>
-          <a:p>
-            <a:endParaRPr lang="fr-FR" i="1" dirty="0"/>
           </a:p>
         </p:txBody>
       </p:sp>
     </p:spTree>
     <p:extLst>
       <p:ext uri="{BB962C8B-B14F-4D97-AF65-F5344CB8AC3E}">
-        <p14:creationId xmlns:p14="http://schemas.microsoft.com/office/powerpoint/2010/main" val="3166797498"/>
+        <p14:creationId xmlns:p14="http://schemas.microsoft.com/office/powerpoint/2010/main" val="3349307759"/>
       </p:ext>
     </p:extLst>
   </p:cSld>
